--- a/docs/Spezifikation/WS2.pptx
+++ b/docs/Spezifikation/WS2.pptx
@@ -5,16 +5,23 @@
     <p:sldMasterId id="2147483648" r:id="rId1"/>
   </p:sldMasterIdLst>
   <p:notesMasterIdLst>
-    <p:notesMasterId r:id="rId9"/>
+    <p:notesMasterId r:id="rId16"/>
   </p:notesMasterIdLst>
   <p:sldIdLst>
     <p:sldId id="256" r:id="rId2"/>
     <p:sldId id="257" r:id="rId3"/>
     <p:sldId id="264" r:id="rId4"/>
     <p:sldId id="269" r:id="rId5"/>
-    <p:sldId id="266" r:id="rId6"/>
-    <p:sldId id="270" r:id="rId7"/>
-    <p:sldId id="268" r:id="rId8"/>
+    <p:sldId id="274" r:id="rId6"/>
+    <p:sldId id="275" r:id="rId7"/>
+    <p:sldId id="266" r:id="rId8"/>
+    <p:sldId id="279" r:id="rId9"/>
+    <p:sldId id="271" r:id="rId10"/>
+    <p:sldId id="276" r:id="rId11"/>
+    <p:sldId id="270" r:id="rId12"/>
+    <p:sldId id="277" r:id="rId13"/>
+    <p:sldId id="278" r:id="rId14"/>
+    <p:sldId id="268" r:id="rId15"/>
   </p:sldIdLst>
   <p:sldSz cx="12192000" cy="6858000"/>
   <p:notesSz cx="6858000" cy="9144000"/>
@@ -203,7 +210,7 @@
           <a:p>
             <a:fld id="{A472BD4D-6368-4E45-8A0E-9969F649A065}" type="datetimeFigureOut">
               <a:rPr lang="de-DE" smtClean="0"/>
-              <a:t>23.06.2015</a:t>
+              <a:t>26.06.2015</a:t>
             </a:fld>
             <a:endParaRPr lang="de-DE"/>
           </a:p>
@@ -1063,7 +1070,7 @@
           <a:p>
             <a:fld id="{7C8DA3AF-853C-4C52-BD08-7ABD8DEFBA10}" type="datetime1">
               <a:rPr lang="en-US" smtClean="0"/>
-              <a:t>6/23/2015</a:t>
+              <a:t>6/26/2015</a:t>
             </a:fld>
             <a:endParaRPr lang="en-US" dirty="0"/>
           </a:p>
@@ -2045,7 +2052,7 @@
           <a:p>
             <a:fld id="{5C0CD94A-0EA6-4C0E-B9AB-DE91D6BEC05C}" type="datetime1">
               <a:rPr lang="en-US" smtClean="0"/>
-              <a:t>6/23/2015</a:t>
+              <a:t>6/26/2015</a:t>
             </a:fld>
             <a:endParaRPr lang="en-US" dirty="0"/>
           </a:p>
@@ -2915,7 +2922,7 @@
           <a:p>
             <a:fld id="{74820B49-5F07-48E9-AED6-7B8D6076BC13}" type="datetime1">
               <a:rPr lang="en-US" smtClean="0"/>
-              <a:t>6/23/2015</a:t>
+              <a:t>6/26/2015</a:t>
             </a:fld>
             <a:endParaRPr lang="en-US" dirty="0"/>
           </a:p>
@@ -3936,7 +3943,7 @@
           <a:p>
             <a:fld id="{0D0148C3-CC34-406B-8438-D4EFA84F0CF5}" type="datetime1">
               <a:rPr lang="en-US" smtClean="0"/>
-              <a:t>6/23/2015</a:t>
+              <a:t>6/26/2015</a:t>
             </a:fld>
             <a:endParaRPr lang="en-US" dirty="0"/>
           </a:p>
@@ -4856,7 +4863,7 @@
           <a:p>
             <a:fld id="{8E5E5DC4-0797-4508-8887-98C83A817E5D}" type="datetime1">
               <a:rPr lang="en-US" smtClean="0"/>
-              <a:t>6/23/2015</a:t>
+              <a:t>6/26/2015</a:t>
             </a:fld>
             <a:endParaRPr lang="en-US" dirty="0"/>
           </a:p>
@@ -5512,7 +5519,7 @@
           <a:p>
             <a:fld id="{E9EE314D-6EC4-41D4-9CC2-00BF69418353}" type="datetime1">
               <a:rPr lang="en-US" smtClean="0"/>
-              <a:t>6/23/2015</a:t>
+              <a:t>6/26/2015</a:t>
             </a:fld>
             <a:endParaRPr lang="en-US" dirty="0"/>
           </a:p>
@@ -6369,7 +6376,7 @@
           <a:p>
             <a:fld id="{A0A1C850-5947-466E-BC97-DB47C7AF21AF}" type="datetime1">
               <a:rPr lang="en-US" smtClean="0"/>
-              <a:t>6/23/2015</a:t>
+              <a:t>6/26/2015</a:t>
             </a:fld>
             <a:endParaRPr lang="en-US" dirty="0"/>
           </a:p>
@@ -6552,7 +6559,7 @@
           <a:p>
             <a:fld id="{508018A0-7486-4D59-8CB8-ECF6D2CA00D3}" type="datetime1">
               <a:rPr lang="en-US" smtClean="0"/>
-              <a:t>6/23/2015</a:t>
+              <a:t>6/26/2015</a:t>
             </a:fld>
             <a:endParaRPr lang="en-US" dirty="0"/>
           </a:p>
@@ -7409,7 +7416,7 @@
           <a:p>
             <a:fld id="{097BF66B-7D7E-4E7D-ADC9-FBF543FDD755}" type="datetime1">
               <a:rPr lang="en-US" smtClean="0"/>
-              <a:t>6/23/2015</a:t>
+              <a:t>6/26/2015</a:t>
             </a:fld>
             <a:endParaRPr lang="en-US" dirty="0"/>
           </a:p>
@@ -7628,7 +7635,7 @@
           <a:p>
             <a:fld id="{BCA8B4B6-671C-4C4D-80B4-F7CC6739F877}" type="datetime1">
               <a:rPr lang="en-US" smtClean="0"/>
-              <a:t>6/23/2015</a:t>
+              <a:t>6/26/2015</a:t>
             </a:fld>
             <a:endParaRPr lang="en-US" dirty="0"/>
           </a:p>
@@ -8554,7 +8561,7 @@
           <a:p>
             <a:fld id="{4A0B196D-CB1E-4E4D-89D1-BB91886FB76E}" type="datetime1">
               <a:rPr lang="en-US" smtClean="0"/>
-              <a:t>6/23/2015</a:t>
+              <a:t>6/26/2015</a:t>
             </a:fld>
             <a:endParaRPr lang="en-US" dirty="0"/>
           </a:p>
@@ -8838,7 +8845,7 @@
           <a:p>
             <a:fld id="{B000E030-FD0C-49C2-9A48-A33D60B44946}" type="datetime1">
               <a:rPr lang="en-US" smtClean="0"/>
-              <a:t>6/23/2015</a:t>
+              <a:t>6/26/2015</a:t>
             </a:fld>
             <a:endParaRPr lang="en-US" dirty="0"/>
           </a:p>
@@ -9228,7 +9235,7 @@
           <a:p>
             <a:fld id="{950DA2A2-82C0-4D8C-A397-903E78284F96}" type="datetime1">
               <a:rPr lang="en-US" smtClean="0"/>
-              <a:t>6/23/2015</a:t>
+              <a:t>6/26/2015</a:t>
             </a:fld>
             <a:endParaRPr lang="en-US" dirty="0"/>
           </a:p>
@@ -9354,7 +9361,7 @@
           <a:p>
             <a:fld id="{029E2F55-D60A-415B-9168-1DB86065A98C}" type="datetime1">
               <a:rPr lang="en-US" smtClean="0"/>
-              <a:t>6/23/2015</a:t>
+              <a:t>6/26/2015</a:t>
             </a:fld>
             <a:endParaRPr lang="en-US" dirty="0"/>
           </a:p>
@@ -9449,7 +9456,7 @@
           <a:p>
             <a:fld id="{16A91E8C-C915-4021-9D8D-F2852504BA61}" type="datetime1">
               <a:rPr lang="en-US" smtClean="0"/>
-              <a:t>6/23/2015</a:t>
+              <a:t>6/26/2015</a:t>
             </a:fld>
             <a:endParaRPr lang="en-US" dirty="0"/>
           </a:p>
@@ -10420,7 +10427,7 @@
           <a:p>
             <a:fld id="{5AA6B4A0-F7D0-4189-9876-C83BE56DBE45}" type="datetime1">
               <a:rPr lang="en-US" smtClean="0"/>
-              <a:t>6/23/2015</a:t>
+              <a:t>6/26/2015</a:t>
             </a:fld>
             <a:endParaRPr lang="en-US" dirty="0"/>
           </a:p>
@@ -11415,7 +11422,7 @@
           <a:p>
             <a:fld id="{E5CF783A-B966-4E89-8771-65E856CF2589}" type="datetime1">
               <a:rPr lang="en-US" smtClean="0"/>
-              <a:t>6/23/2015</a:t>
+              <a:t>6/26/2015</a:t>
             </a:fld>
             <a:endParaRPr lang="en-US" dirty="0"/>
           </a:p>
@@ -12299,7 +12306,7 @@
           <a:p>
             <a:fld id="{59ACDB10-C354-46E8-BE17-ACA37590681D}" type="datetime1">
               <a:rPr lang="en-US" smtClean="0"/>
-              <a:t>6/23/2015</a:t>
+              <a:t>6/26/2015</a:t>
             </a:fld>
             <a:endParaRPr lang="en-US" dirty="0"/>
           </a:p>
@@ -12909,7 +12916,6 @@
               <a:rPr lang="de-DE" dirty="0" smtClean="0"/>
               <a:t> Tag 4</a:t>
             </a:r>
-            <a:endParaRPr lang="de-DE" dirty="0" smtClean="0"/>
           </a:p>
           <a:p>
             <a:r>
@@ -13140,6 +13146,1668 @@
     <p:extLst>
       <p:ext uri="{BB962C8B-B14F-4D97-AF65-F5344CB8AC3E}">
         <p14:creationId xmlns:p14="http://schemas.microsoft.com/office/powerpoint/2010/main" val="735217670"/>
+      </p:ext>
+    </p:extLst>
+  </p:cSld>
+  <p:clrMapOvr>
+    <a:masterClrMapping/>
+  </p:clrMapOvr>
+  <p:timing>
+    <p:tnLst>
+      <p:par>
+        <p:cTn id="1" dur="indefinite" restart="never" nodeType="tmRoot"/>
+      </p:par>
+    </p:tnLst>
+  </p:timing>
+</p:sld>
+</file>
+
+<file path=ppt/slides/slide10.xml><?xml version="1.0" encoding="utf-8"?>
+<p:sld xmlns:a="http://schemas.openxmlformats.org/drawingml/2006/main" xmlns:r="http://schemas.openxmlformats.org/officeDocument/2006/relationships" xmlns:p="http://schemas.openxmlformats.org/presentationml/2006/main">
+  <p:cSld>
+    <p:spTree>
+      <p:nvGrpSpPr>
+        <p:cNvPr id="1" name=""/>
+        <p:cNvGrpSpPr/>
+        <p:nvPr/>
+      </p:nvGrpSpPr>
+      <p:grpSpPr>
+        <a:xfrm>
+          <a:off x="0" y="0"/>
+          <a:ext cx="0" cy="0"/>
+          <a:chOff x="0" y="0"/>
+          <a:chExt cx="0" cy="0"/>
+        </a:xfrm>
+      </p:grpSpPr>
+      <p:sp>
+        <p:nvSpPr>
+          <p:cNvPr id="2" name="Titel 1"/>
+          <p:cNvSpPr>
+            <a:spLocks noGrp="1"/>
+          </p:cNvSpPr>
+          <p:nvPr>
+            <p:ph type="title"/>
+          </p:nvPr>
+        </p:nvSpPr>
+        <p:spPr/>
+        <p:txBody>
+          <a:bodyPr/>
+          <a:lstStyle/>
+          <a:p>
+            <a:r>
+              <a:rPr lang="de-DE" dirty="0" smtClean="0"/>
+              <a:t>Sequenzdiagramm 2</a:t>
+            </a:r>
+            <a:endParaRPr lang="de-DE" dirty="0"/>
+          </a:p>
+        </p:txBody>
+      </p:sp>
+      <p:sp>
+        <p:nvSpPr>
+          <p:cNvPr id="3" name="Foliennummernplatzhalter 2"/>
+          <p:cNvSpPr>
+            <a:spLocks noGrp="1"/>
+          </p:cNvSpPr>
+          <p:nvPr>
+            <p:ph type="sldNum" sz="quarter" idx="12"/>
+          </p:nvPr>
+        </p:nvSpPr>
+        <p:spPr/>
+        <p:txBody>
+          <a:bodyPr/>
+          <a:lstStyle/>
+          <a:p>
+            <a:fld id="{D57F1E4F-1CFF-5643-939E-217C01CDF565}" type="slidenum">
+              <a:rPr lang="en-US" smtClean="0"/>
+              <a:pPr/>
+              <a:t>10</a:t>
+            </a:fld>
+            <a:endParaRPr lang="en-US" dirty="0"/>
+          </a:p>
+        </p:txBody>
+      </p:sp>
+      <p:pic>
+        <p:nvPicPr>
+          <p:cNvPr id="4" name="Grafik 3"/>
+          <p:cNvPicPr>
+            <a:picLocks noChangeAspect="1"/>
+          </p:cNvPicPr>
+          <p:nvPr/>
+        </p:nvPicPr>
+        <p:blipFill>
+          <a:blip r:embed="rId2">
+            <a:extLst>
+              <a:ext uri="{28A0092B-C50C-407E-A947-70E740481C1C}">
+                <a14:useLocalDpi xmlns:a14="http://schemas.microsoft.com/office/drawing/2010/main" val="0"/>
+              </a:ext>
+            </a:extLst>
+          </a:blip>
+          <a:stretch>
+            <a:fillRect/>
+          </a:stretch>
+        </p:blipFill>
+        <p:spPr>
+          <a:xfrm>
+            <a:off x="1191965" y="2617077"/>
+            <a:ext cx="9998774" cy="4083269"/>
+          </a:xfrm>
+          <a:prstGeom prst="rect">
+            <a:avLst/>
+          </a:prstGeom>
+        </p:spPr>
+      </p:pic>
+    </p:spTree>
+    <p:extLst>
+      <p:ext uri="{BB962C8B-B14F-4D97-AF65-F5344CB8AC3E}">
+        <p14:creationId xmlns:p14="http://schemas.microsoft.com/office/powerpoint/2010/main" val="1682089773"/>
+      </p:ext>
+    </p:extLst>
+  </p:cSld>
+  <p:clrMapOvr>
+    <a:masterClrMapping/>
+  </p:clrMapOvr>
+</p:sld>
+</file>
+
+<file path=ppt/slides/slide11.xml><?xml version="1.0" encoding="utf-8"?>
+<p:sld xmlns:a="http://schemas.openxmlformats.org/drawingml/2006/main" xmlns:r="http://schemas.openxmlformats.org/officeDocument/2006/relationships" xmlns:p="http://schemas.openxmlformats.org/presentationml/2006/main">
+  <p:cSld>
+    <p:spTree>
+      <p:nvGrpSpPr>
+        <p:cNvPr id="1" name=""/>
+        <p:cNvGrpSpPr/>
+        <p:nvPr/>
+      </p:nvGrpSpPr>
+      <p:grpSpPr>
+        <a:xfrm>
+          <a:off x="0" y="0"/>
+          <a:ext cx="0" cy="0"/>
+          <a:chOff x="0" y="0"/>
+          <a:chExt cx="0" cy="0"/>
+        </a:xfrm>
+      </p:grpSpPr>
+      <p:sp>
+        <p:nvSpPr>
+          <p:cNvPr id="2" name="Titel 1"/>
+          <p:cNvSpPr>
+            <a:spLocks noGrp="1"/>
+          </p:cNvSpPr>
+          <p:nvPr>
+            <p:ph type="title"/>
+          </p:nvPr>
+        </p:nvSpPr>
+        <p:spPr/>
+        <p:txBody>
+          <a:bodyPr/>
+          <a:lstStyle/>
+          <a:p>
+            <a:r>
+              <a:rPr lang="de-DE" dirty="0"/>
+              <a:t>Web </a:t>
+            </a:r>
+            <a:r>
+              <a:rPr lang="de-DE" dirty="0" smtClean="0"/>
+              <a:t>Service: User</a:t>
+            </a:r>
+            <a:endParaRPr lang="de-DE" dirty="0"/>
+          </a:p>
+        </p:txBody>
+      </p:sp>
+      <p:sp>
+        <p:nvSpPr>
+          <p:cNvPr id="3" name="Textplatzhalter 2"/>
+          <p:cNvSpPr>
+            <a:spLocks noGrp="1"/>
+          </p:cNvSpPr>
+          <p:nvPr>
+            <p:ph type="body" idx="1"/>
+          </p:nvPr>
+        </p:nvSpPr>
+        <p:spPr/>
+        <p:txBody>
+          <a:bodyPr/>
+          <a:lstStyle/>
+          <a:p>
+            <a:r>
+              <a:rPr lang="de-DE" sz="3200" dirty="0" smtClean="0"/>
+              <a:t>Methode</a:t>
+            </a:r>
+            <a:endParaRPr lang="de-DE" dirty="0"/>
+          </a:p>
+        </p:txBody>
+      </p:sp>
+      <p:sp>
+        <p:nvSpPr>
+          <p:cNvPr id="4" name="Textplatzhalter 3"/>
+          <p:cNvSpPr>
+            <a:spLocks noGrp="1"/>
+          </p:cNvSpPr>
+          <p:nvPr>
+            <p:ph type="body" sz="half" idx="15"/>
+          </p:nvPr>
+        </p:nvSpPr>
+        <p:spPr/>
+        <p:txBody>
+          <a:bodyPr>
+            <a:normAutofit lnSpcReduction="10000"/>
+          </a:bodyPr>
+          <a:lstStyle/>
+          <a:p>
+            <a:endParaRPr lang="de-DE" sz="1600" dirty="0" smtClean="0"/>
+          </a:p>
+          <a:p>
+            <a:r>
+              <a:rPr lang="de-DE" sz="1600" dirty="0" err="1" smtClean="0"/>
+              <a:t>post</a:t>
+            </a:r>
+            <a:endParaRPr lang="de-DE" sz="1600" dirty="0" smtClean="0"/>
+          </a:p>
+          <a:p>
+            <a:r>
+              <a:rPr lang="de-DE" sz="1600" dirty="0" err="1" smtClean="0"/>
+              <a:t>put</a:t>
+            </a:r>
+            <a:endParaRPr lang="de-DE" sz="1600" dirty="0"/>
+          </a:p>
+          <a:p>
+            <a:r>
+              <a:rPr lang="de-DE" sz="1600" dirty="0" err="1" smtClean="0"/>
+              <a:t>delete</a:t>
+            </a:r>
+            <a:endParaRPr lang="de-DE" sz="1600" dirty="0"/>
+          </a:p>
+          <a:p>
+            <a:r>
+              <a:rPr lang="de-DE" sz="1600" dirty="0" err="1" smtClean="0"/>
+              <a:t>get</a:t>
+            </a:r>
+            <a:endParaRPr lang="de-DE" sz="1600" dirty="0" smtClean="0"/>
+          </a:p>
+          <a:p>
+            <a:endParaRPr lang="de-DE" sz="1600" dirty="0" smtClean="0"/>
+          </a:p>
+          <a:p>
+            <a:r>
+              <a:rPr lang="de-DE" sz="1600" dirty="0" err="1" smtClean="0"/>
+              <a:t>get</a:t>
+            </a:r>
+            <a:endParaRPr lang="de-DE" sz="1600" dirty="0"/>
+          </a:p>
+          <a:p>
+            <a:r>
+              <a:rPr lang="de-DE" sz="1600" dirty="0" err="1" smtClean="0"/>
+              <a:t>get</a:t>
+            </a:r>
+            <a:endParaRPr lang="de-DE" sz="1600" dirty="0"/>
+          </a:p>
+        </p:txBody>
+      </p:sp>
+      <p:sp>
+        <p:nvSpPr>
+          <p:cNvPr id="5" name="Textplatzhalter 4"/>
+          <p:cNvSpPr>
+            <a:spLocks noGrp="1"/>
+          </p:cNvSpPr>
+          <p:nvPr>
+            <p:ph type="body" sz="quarter" idx="3"/>
+          </p:nvPr>
+        </p:nvSpPr>
+        <p:spPr/>
+        <p:txBody>
+          <a:bodyPr/>
+          <a:lstStyle/>
+          <a:p>
+            <a:r>
+              <a:rPr lang="de-DE" sz="3200" dirty="0" smtClean="0"/>
+              <a:t>URI</a:t>
+            </a:r>
+            <a:endParaRPr lang="de-DE" dirty="0"/>
+          </a:p>
+        </p:txBody>
+      </p:sp>
+      <p:sp>
+        <p:nvSpPr>
+          <p:cNvPr id="6" name="Textplatzhalter 5"/>
+          <p:cNvSpPr>
+            <a:spLocks noGrp="1"/>
+          </p:cNvSpPr>
+          <p:nvPr>
+            <p:ph type="body" sz="half" idx="16"/>
+          </p:nvPr>
+        </p:nvSpPr>
+        <p:spPr/>
+        <p:txBody>
+          <a:bodyPr>
+            <a:normAutofit lnSpcReduction="10000"/>
+          </a:bodyPr>
+          <a:lstStyle/>
+          <a:p>
+            <a:endParaRPr lang="de-DE" sz="1600" dirty="0"/>
+          </a:p>
+          <a:p>
+            <a:r>
+              <a:rPr lang="de-DE" sz="1600" dirty="0" smtClean="0"/>
+              <a:t>/</a:t>
+            </a:r>
+            <a:r>
+              <a:rPr lang="de-DE" sz="1600" dirty="0" err="1" smtClean="0"/>
+              <a:t>user</a:t>
+            </a:r>
+            <a:r>
+              <a:rPr lang="de-DE" sz="1600" dirty="0" smtClean="0"/>
+              <a:t>/</a:t>
+            </a:r>
+            <a:endParaRPr lang="de-DE" sz="1600" dirty="0"/>
+          </a:p>
+          <a:p>
+            <a:r>
+              <a:rPr lang="de-DE" sz="1600" dirty="0" smtClean="0"/>
+              <a:t>/</a:t>
+            </a:r>
+            <a:r>
+              <a:rPr lang="de-DE" sz="1600" dirty="0" err="1" smtClean="0"/>
+              <a:t>user</a:t>
+            </a:r>
+            <a:r>
+              <a:rPr lang="de-DE" sz="1600" dirty="0"/>
+              <a:t>/{</a:t>
+            </a:r>
+            <a:r>
+              <a:rPr lang="de-DE" sz="1600" dirty="0" err="1"/>
+              <a:t>userId</a:t>
+            </a:r>
+            <a:r>
+              <a:rPr lang="de-DE" sz="1600" dirty="0"/>
+              <a:t>}</a:t>
+            </a:r>
+          </a:p>
+          <a:p>
+            <a:r>
+              <a:rPr lang="de-DE" sz="1600" dirty="0" smtClean="0"/>
+              <a:t>/</a:t>
+            </a:r>
+            <a:r>
+              <a:rPr lang="de-DE" sz="1600" dirty="0" err="1" smtClean="0"/>
+              <a:t>user</a:t>
+            </a:r>
+            <a:r>
+              <a:rPr lang="de-DE" sz="1600" dirty="0" smtClean="0"/>
+              <a:t>/{</a:t>
+            </a:r>
+            <a:r>
+              <a:rPr lang="de-DE" sz="1600" dirty="0" err="1" smtClean="0"/>
+              <a:t>userId</a:t>
+            </a:r>
+            <a:r>
+              <a:rPr lang="de-DE" sz="1600" dirty="0" smtClean="0"/>
+              <a:t>}</a:t>
+            </a:r>
+          </a:p>
+          <a:p>
+            <a:r>
+              <a:rPr lang="de-DE" sz="1600" dirty="0"/>
+              <a:t>/</a:t>
+            </a:r>
+            <a:r>
+              <a:rPr lang="de-DE" sz="1600" dirty="0" err="1"/>
+              <a:t>user</a:t>
+            </a:r>
+            <a:r>
+              <a:rPr lang="de-DE" sz="1600" dirty="0"/>
+              <a:t>/{</a:t>
+            </a:r>
+            <a:r>
+              <a:rPr lang="de-DE" sz="1600" dirty="0" err="1"/>
+              <a:t>userId</a:t>
+            </a:r>
+            <a:r>
+              <a:rPr lang="de-DE" sz="1600" dirty="0"/>
+              <a:t>}</a:t>
+            </a:r>
+          </a:p>
+          <a:p>
+            <a:endParaRPr lang="de-DE" sz="1600" dirty="0"/>
+          </a:p>
+          <a:p>
+            <a:r>
+              <a:rPr lang="de-DE" sz="1600" dirty="0" smtClean="0"/>
+              <a:t>/</a:t>
+            </a:r>
+            <a:r>
+              <a:rPr lang="de-DE" sz="1600" dirty="0" err="1" smtClean="0"/>
+              <a:t>user</a:t>
+            </a:r>
+            <a:r>
+              <a:rPr lang="de-DE" sz="1600" dirty="0" smtClean="0"/>
+              <a:t>/</a:t>
+            </a:r>
+            <a:r>
+              <a:rPr lang="de-DE" sz="1600" dirty="0" err="1" smtClean="0"/>
+              <a:t>login</a:t>
+            </a:r>
+            <a:endParaRPr lang="de-DE" sz="1600" dirty="0" smtClean="0"/>
+          </a:p>
+          <a:p>
+            <a:r>
+              <a:rPr lang="de-DE" sz="1600" dirty="0" smtClean="0"/>
+              <a:t>/</a:t>
+            </a:r>
+            <a:r>
+              <a:rPr lang="de-DE" sz="1600" dirty="0" err="1" smtClean="0"/>
+              <a:t>user</a:t>
+            </a:r>
+            <a:r>
+              <a:rPr lang="de-DE" sz="1600" dirty="0" smtClean="0"/>
+              <a:t>/</a:t>
+            </a:r>
+            <a:r>
+              <a:rPr lang="de-DE" sz="1600" dirty="0" err="1" smtClean="0"/>
+              <a:t>logout</a:t>
+            </a:r>
+            <a:endParaRPr lang="de-DE" sz="1600" dirty="0"/>
+          </a:p>
+        </p:txBody>
+      </p:sp>
+      <p:sp>
+        <p:nvSpPr>
+          <p:cNvPr id="7" name="Textplatzhalter 6"/>
+          <p:cNvSpPr>
+            <a:spLocks noGrp="1"/>
+          </p:cNvSpPr>
+          <p:nvPr>
+            <p:ph type="body" sz="quarter" idx="13"/>
+          </p:nvPr>
+        </p:nvSpPr>
+        <p:spPr/>
+        <p:txBody>
+          <a:bodyPr/>
+          <a:lstStyle/>
+          <a:p>
+            <a:r>
+              <a:rPr lang="de-DE" sz="3200" dirty="0" smtClean="0"/>
+              <a:t>Beschreibung</a:t>
+            </a:r>
+            <a:endParaRPr lang="de-DE" dirty="0"/>
+          </a:p>
+        </p:txBody>
+      </p:sp>
+      <p:sp>
+        <p:nvSpPr>
+          <p:cNvPr id="8" name="Textplatzhalter 7"/>
+          <p:cNvSpPr>
+            <a:spLocks noGrp="1"/>
+          </p:cNvSpPr>
+          <p:nvPr>
+            <p:ph type="body" sz="half" idx="17"/>
+          </p:nvPr>
+        </p:nvSpPr>
+        <p:spPr/>
+        <p:txBody>
+          <a:bodyPr>
+            <a:normAutofit lnSpcReduction="10000"/>
+          </a:bodyPr>
+          <a:lstStyle/>
+          <a:p>
+            <a:endParaRPr lang="de-DE" sz="1600" dirty="0" smtClean="0"/>
+          </a:p>
+          <a:p>
+            <a:r>
+              <a:rPr lang="de-DE" sz="1600" dirty="0" smtClean="0"/>
+              <a:t>User anlegen</a:t>
+            </a:r>
+          </a:p>
+          <a:p>
+            <a:r>
+              <a:rPr lang="de-DE" sz="1600" dirty="0"/>
+              <a:t>User </a:t>
+            </a:r>
+            <a:r>
+              <a:rPr lang="de-DE" sz="1600" dirty="0" smtClean="0"/>
+              <a:t>ändern</a:t>
+            </a:r>
+            <a:endParaRPr lang="de-DE" sz="1600" dirty="0"/>
+          </a:p>
+          <a:p>
+            <a:r>
+              <a:rPr lang="de-DE" sz="1600" dirty="0"/>
+              <a:t>User l</a:t>
+            </a:r>
+            <a:r>
+              <a:rPr lang="de-DE" sz="1600" dirty="0" smtClean="0"/>
+              <a:t>öschen</a:t>
+            </a:r>
+          </a:p>
+          <a:p>
+            <a:r>
+              <a:rPr lang="de-DE" sz="1600" dirty="0" smtClean="0"/>
+              <a:t>User ausgeben</a:t>
+            </a:r>
+          </a:p>
+          <a:p>
+            <a:endParaRPr lang="de-DE" sz="1600" dirty="0" smtClean="0"/>
+          </a:p>
+          <a:p>
+            <a:r>
+              <a:rPr lang="de-DE" sz="1600" dirty="0" smtClean="0"/>
+              <a:t>Login</a:t>
+            </a:r>
+          </a:p>
+          <a:p>
+            <a:r>
+              <a:rPr lang="de-DE" sz="1600" dirty="0" err="1" smtClean="0"/>
+              <a:t>Logout</a:t>
+            </a:r>
+            <a:endParaRPr lang="de-DE" sz="1600" dirty="0" smtClean="0"/>
+          </a:p>
+        </p:txBody>
+      </p:sp>
+      <p:sp>
+        <p:nvSpPr>
+          <p:cNvPr id="9" name="Foliennummernplatzhalter 8"/>
+          <p:cNvSpPr>
+            <a:spLocks noGrp="1"/>
+          </p:cNvSpPr>
+          <p:nvPr>
+            <p:ph type="sldNum" sz="quarter" idx="12"/>
+          </p:nvPr>
+        </p:nvSpPr>
+        <p:spPr/>
+        <p:txBody>
+          <a:bodyPr/>
+          <a:lstStyle/>
+          <a:p>
+            <a:fld id="{D57F1E4F-1CFF-5643-939E-217C01CDF565}" type="slidenum">
+              <a:rPr lang="en-US" smtClean="0"/>
+              <a:pPr/>
+              <a:t>11</a:t>
+            </a:fld>
+            <a:endParaRPr lang="en-US" dirty="0"/>
+          </a:p>
+        </p:txBody>
+      </p:sp>
+    </p:spTree>
+    <p:extLst>
+      <p:ext uri="{BB962C8B-B14F-4D97-AF65-F5344CB8AC3E}">
+        <p14:creationId xmlns:p14="http://schemas.microsoft.com/office/powerpoint/2010/main" val="3589352793"/>
+      </p:ext>
+    </p:extLst>
+  </p:cSld>
+  <p:clrMapOvr>
+    <a:masterClrMapping/>
+  </p:clrMapOvr>
+  <p:timing>
+    <p:tnLst>
+      <p:par>
+        <p:cTn id="1" dur="indefinite" restart="never" nodeType="tmRoot"/>
+      </p:par>
+    </p:tnLst>
+  </p:timing>
+</p:sld>
+</file>
+
+<file path=ppt/slides/slide12.xml><?xml version="1.0" encoding="utf-8"?>
+<p:sld xmlns:a="http://schemas.openxmlformats.org/drawingml/2006/main" xmlns:r="http://schemas.openxmlformats.org/officeDocument/2006/relationships" xmlns:p="http://schemas.openxmlformats.org/presentationml/2006/main">
+  <p:cSld>
+    <p:spTree>
+      <p:nvGrpSpPr>
+        <p:cNvPr id="1" name=""/>
+        <p:cNvGrpSpPr/>
+        <p:nvPr/>
+      </p:nvGrpSpPr>
+      <p:grpSpPr>
+        <a:xfrm>
+          <a:off x="0" y="0"/>
+          <a:ext cx="0" cy="0"/>
+          <a:chOff x="0" y="0"/>
+          <a:chExt cx="0" cy="0"/>
+        </a:xfrm>
+      </p:grpSpPr>
+      <p:sp>
+        <p:nvSpPr>
+          <p:cNvPr id="2" name="Titel 1"/>
+          <p:cNvSpPr>
+            <a:spLocks noGrp="1"/>
+          </p:cNvSpPr>
+          <p:nvPr>
+            <p:ph type="title"/>
+          </p:nvPr>
+        </p:nvSpPr>
+        <p:spPr/>
+        <p:txBody>
+          <a:bodyPr/>
+          <a:lstStyle/>
+          <a:p>
+            <a:r>
+              <a:rPr lang="de-DE" dirty="0" smtClean="0"/>
+              <a:t>Web Service: </a:t>
+            </a:r>
+            <a:r>
+              <a:rPr lang="de-DE" dirty="0" err="1" smtClean="0"/>
+              <a:t>JunkFood</a:t>
+            </a:r>
+            <a:endParaRPr lang="de-DE" dirty="0"/>
+          </a:p>
+        </p:txBody>
+      </p:sp>
+      <p:sp>
+        <p:nvSpPr>
+          <p:cNvPr id="3" name="Textplatzhalter 2"/>
+          <p:cNvSpPr>
+            <a:spLocks noGrp="1"/>
+          </p:cNvSpPr>
+          <p:nvPr>
+            <p:ph type="body" idx="1"/>
+          </p:nvPr>
+        </p:nvSpPr>
+        <p:spPr/>
+        <p:txBody>
+          <a:bodyPr/>
+          <a:lstStyle/>
+          <a:p>
+            <a:r>
+              <a:rPr lang="de-DE" sz="3200" dirty="0"/>
+              <a:t>Methode</a:t>
+            </a:r>
+            <a:endParaRPr lang="de-DE" dirty="0"/>
+          </a:p>
+        </p:txBody>
+      </p:sp>
+      <p:sp>
+        <p:nvSpPr>
+          <p:cNvPr id="4" name="Textplatzhalter 3"/>
+          <p:cNvSpPr>
+            <a:spLocks noGrp="1"/>
+          </p:cNvSpPr>
+          <p:nvPr>
+            <p:ph type="body" sz="half" idx="15"/>
+          </p:nvPr>
+        </p:nvSpPr>
+        <p:spPr/>
+        <p:txBody>
+          <a:bodyPr>
+            <a:normAutofit/>
+          </a:bodyPr>
+          <a:lstStyle/>
+          <a:p>
+            <a:endParaRPr lang="de-DE" sz="1600" dirty="0" smtClean="0"/>
+          </a:p>
+          <a:p>
+            <a:r>
+              <a:rPr lang="de-DE" sz="1600" dirty="0" err="1" smtClean="0"/>
+              <a:t>post</a:t>
+            </a:r>
+            <a:endParaRPr lang="de-DE" sz="1600" dirty="0"/>
+          </a:p>
+          <a:p>
+            <a:r>
+              <a:rPr lang="de-DE" sz="1600" dirty="0" err="1" smtClean="0"/>
+              <a:t>put</a:t>
+            </a:r>
+            <a:endParaRPr lang="de-DE" sz="1600" dirty="0"/>
+          </a:p>
+          <a:p>
+            <a:r>
+              <a:rPr lang="de-DE" sz="1600" dirty="0" err="1" smtClean="0"/>
+              <a:t>get</a:t>
+            </a:r>
+            <a:endParaRPr lang="de-DE" sz="1600" dirty="0"/>
+          </a:p>
+          <a:p>
+            <a:r>
+              <a:rPr lang="de-DE" sz="1600" dirty="0" err="1" smtClean="0"/>
+              <a:t>delete</a:t>
+            </a:r>
+            <a:endParaRPr lang="de-DE" sz="1600" dirty="0" smtClean="0"/>
+          </a:p>
+          <a:p>
+            <a:endParaRPr lang="de-DE" sz="1600" dirty="0"/>
+          </a:p>
+        </p:txBody>
+      </p:sp>
+      <p:sp>
+        <p:nvSpPr>
+          <p:cNvPr id="5" name="Textplatzhalter 4"/>
+          <p:cNvSpPr>
+            <a:spLocks noGrp="1"/>
+          </p:cNvSpPr>
+          <p:nvPr>
+            <p:ph type="body" sz="quarter" idx="3"/>
+          </p:nvPr>
+        </p:nvSpPr>
+        <p:spPr/>
+        <p:txBody>
+          <a:bodyPr/>
+          <a:lstStyle/>
+          <a:p>
+            <a:r>
+              <a:rPr lang="de-DE" sz="3200" dirty="0"/>
+              <a:t>URI</a:t>
+            </a:r>
+          </a:p>
+        </p:txBody>
+      </p:sp>
+      <p:sp>
+        <p:nvSpPr>
+          <p:cNvPr id="6" name="Textplatzhalter 5"/>
+          <p:cNvSpPr>
+            <a:spLocks noGrp="1"/>
+          </p:cNvSpPr>
+          <p:nvPr>
+            <p:ph type="body" sz="half" idx="16"/>
+          </p:nvPr>
+        </p:nvSpPr>
+        <p:spPr/>
+        <p:txBody>
+          <a:bodyPr>
+            <a:normAutofit/>
+          </a:bodyPr>
+          <a:lstStyle/>
+          <a:p>
+            <a:endParaRPr lang="de-DE" sz="1600" dirty="0" smtClean="0"/>
+          </a:p>
+          <a:p>
+            <a:r>
+              <a:rPr lang="de-DE" sz="1600" dirty="0" smtClean="0"/>
+              <a:t>/</a:t>
+            </a:r>
+            <a:r>
+              <a:rPr lang="de-DE" sz="1600" dirty="0" err="1" smtClean="0"/>
+              <a:t>junkfood</a:t>
+            </a:r>
+            <a:r>
+              <a:rPr lang="de-DE" sz="1600" dirty="0" smtClean="0"/>
+              <a:t>/</a:t>
+            </a:r>
+          </a:p>
+          <a:p>
+            <a:r>
+              <a:rPr lang="de-DE" sz="1600" dirty="0"/>
+              <a:t>/</a:t>
+            </a:r>
+            <a:r>
+              <a:rPr lang="de-DE" sz="1600" dirty="0" err="1"/>
+              <a:t>junkfood</a:t>
+            </a:r>
+            <a:r>
+              <a:rPr lang="de-DE" sz="1600" dirty="0" smtClean="0"/>
+              <a:t>/{</a:t>
+            </a:r>
+            <a:r>
+              <a:rPr lang="de-DE" sz="1600" dirty="0" err="1" smtClean="0"/>
+              <a:t>junkId</a:t>
+            </a:r>
+            <a:r>
+              <a:rPr lang="de-DE" sz="1600" dirty="0" smtClean="0"/>
+              <a:t>}</a:t>
+            </a:r>
+            <a:endParaRPr lang="de-DE" sz="1600" dirty="0"/>
+          </a:p>
+          <a:p>
+            <a:r>
+              <a:rPr lang="de-DE" sz="1600" dirty="0"/>
+              <a:t>/</a:t>
+            </a:r>
+            <a:r>
+              <a:rPr lang="de-DE" sz="1600" dirty="0" err="1"/>
+              <a:t>junkfood</a:t>
+            </a:r>
+            <a:r>
+              <a:rPr lang="de-DE" sz="1600" dirty="0" smtClean="0"/>
+              <a:t>/</a:t>
+            </a:r>
+            <a:r>
+              <a:rPr lang="de-DE" sz="1600" dirty="0"/>
+              <a:t>{</a:t>
+            </a:r>
+            <a:r>
+              <a:rPr lang="de-DE" sz="1600" dirty="0" err="1"/>
+              <a:t>junkId</a:t>
+            </a:r>
+            <a:r>
+              <a:rPr lang="de-DE" sz="1600" dirty="0"/>
+              <a:t>}</a:t>
+            </a:r>
+          </a:p>
+          <a:p>
+            <a:r>
+              <a:rPr lang="de-DE" sz="1600" dirty="0" smtClean="0"/>
+              <a:t>/</a:t>
+            </a:r>
+            <a:r>
+              <a:rPr lang="de-DE" sz="1600" dirty="0" err="1"/>
+              <a:t>junkfood</a:t>
+            </a:r>
+            <a:r>
+              <a:rPr lang="de-DE" sz="1600" dirty="0" smtClean="0"/>
+              <a:t>/</a:t>
+            </a:r>
+            <a:r>
+              <a:rPr lang="de-DE" sz="1600" dirty="0"/>
+              <a:t>{</a:t>
+            </a:r>
+            <a:r>
+              <a:rPr lang="de-DE" sz="1600" dirty="0" err="1"/>
+              <a:t>junkId</a:t>
+            </a:r>
+            <a:r>
+              <a:rPr lang="de-DE" sz="1600" dirty="0"/>
+              <a:t>}</a:t>
+            </a:r>
+          </a:p>
+          <a:p>
+            <a:endParaRPr lang="de-DE" sz="1600" dirty="0"/>
+          </a:p>
+          <a:p>
+            <a:endParaRPr lang="de-DE" sz="1600" dirty="0" smtClean="0"/>
+          </a:p>
+          <a:p>
+            <a:endParaRPr lang="de-DE" sz="1600" dirty="0"/>
+          </a:p>
+        </p:txBody>
+      </p:sp>
+      <p:sp>
+        <p:nvSpPr>
+          <p:cNvPr id="7" name="Textplatzhalter 6"/>
+          <p:cNvSpPr>
+            <a:spLocks noGrp="1"/>
+          </p:cNvSpPr>
+          <p:nvPr>
+            <p:ph type="body" sz="quarter" idx="13"/>
+          </p:nvPr>
+        </p:nvSpPr>
+        <p:spPr/>
+        <p:txBody>
+          <a:bodyPr/>
+          <a:lstStyle/>
+          <a:p>
+            <a:r>
+              <a:rPr lang="de-DE" sz="3200" dirty="0"/>
+              <a:t>Beschreibung</a:t>
+            </a:r>
+          </a:p>
+        </p:txBody>
+      </p:sp>
+      <p:sp>
+        <p:nvSpPr>
+          <p:cNvPr id="8" name="Textplatzhalter 7"/>
+          <p:cNvSpPr>
+            <a:spLocks noGrp="1"/>
+          </p:cNvSpPr>
+          <p:nvPr>
+            <p:ph type="body" sz="half" idx="17"/>
+          </p:nvPr>
+        </p:nvSpPr>
+        <p:spPr/>
+        <p:txBody>
+          <a:bodyPr>
+            <a:normAutofit/>
+          </a:bodyPr>
+          <a:lstStyle/>
+          <a:p>
+            <a:endParaRPr lang="de-DE" sz="1600" dirty="0" smtClean="0"/>
+          </a:p>
+          <a:p>
+            <a:r>
+              <a:rPr lang="de-DE" sz="1600" dirty="0" smtClean="0"/>
+              <a:t>Anlegen</a:t>
+            </a:r>
+          </a:p>
+          <a:p>
+            <a:r>
+              <a:rPr lang="de-DE" sz="1600" dirty="0" smtClean="0"/>
+              <a:t>Editieren</a:t>
+            </a:r>
+          </a:p>
+          <a:p>
+            <a:r>
+              <a:rPr lang="de-DE" sz="1600" dirty="0" smtClean="0"/>
+              <a:t>Ausgeben</a:t>
+            </a:r>
+          </a:p>
+          <a:p>
+            <a:r>
+              <a:rPr lang="de-DE" sz="1600" dirty="0"/>
+              <a:t>Löschen</a:t>
+            </a:r>
+          </a:p>
+        </p:txBody>
+      </p:sp>
+      <p:sp>
+        <p:nvSpPr>
+          <p:cNvPr id="9" name="Foliennummernplatzhalter 8"/>
+          <p:cNvSpPr>
+            <a:spLocks noGrp="1"/>
+          </p:cNvSpPr>
+          <p:nvPr>
+            <p:ph type="sldNum" sz="quarter" idx="12"/>
+          </p:nvPr>
+        </p:nvSpPr>
+        <p:spPr/>
+        <p:txBody>
+          <a:bodyPr/>
+          <a:lstStyle/>
+          <a:p>
+            <a:fld id="{D57F1E4F-1CFF-5643-939E-217C01CDF565}" type="slidenum">
+              <a:rPr lang="en-US" smtClean="0"/>
+              <a:pPr/>
+              <a:t>12</a:t>
+            </a:fld>
+            <a:endParaRPr lang="en-US" dirty="0"/>
+          </a:p>
+        </p:txBody>
+      </p:sp>
+    </p:spTree>
+    <p:extLst>
+      <p:ext uri="{BB962C8B-B14F-4D97-AF65-F5344CB8AC3E}">
+        <p14:creationId xmlns:p14="http://schemas.microsoft.com/office/powerpoint/2010/main" val="1223738885"/>
+      </p:ext>
+    </p:extLst>
+  </p:cSld>
+  <p:clrMapOvr>
+    <a:masterClrMapping/>
+  </p:clrMapOvr>
+</p:sld>
+</file>
+
+<file path=ppt/slides/slide13.xml><?xml version="1.0" encoding="utf-8"?>
+<p:sld xmlns:a="http://schemas.openxmlformats.org/drawingml/2006/main" xmlns:r="http://schemas.openxmlformats.org/officeDocument/2006/relationships" xmlns:p="http://schemas.openxmlformats.org/presentationml/2006/main">
+  <p:cSld>
+    <p:spTree>
+      <p:nvGrpSpPr>
+        <p:cNvPr id="1" name=""/>
+        <p:cNvGrpSpPr/>
+        <p:nvPr/>
+      </p:nvGrpSpPr>
+      <p:grpSpPr>
+        <a:xfrm>
+          <a:off x="0" y="0"/>
+          <a:ext cx="0" cy="0"/>
+          <a:chOff x="0" y="0"/>
+          <a:chExt cx="0" cy="0"/>
+        </a:xfrm>
+      </p:grpSpPr>
+      <p:sp>
+        <p:nvSpPr>
+          <p:cNvPr id="2" name="Titel 1"/>
+          <p:cNvSpPr>
+            <a:spLocks noGrp="1"/>
+          </p:cNvSpPr>
+          <p:nvPr>
+            <p:ph type="title"/>
+          </p:nvPr>
+        </p:nvSpPr>
+        <p:spPr/>
+        <p:txBody>
+          <a:bodyPr/>
+          <a:lstStyle/>
+          <a:p>
+            <a:r>
+              <a:rPr lang="de-DE" dirty="0" smtClean="0"/>
+              <a:t>Web Service: </a:t>
+            </a:r>
+            <a:r>
+              <a:rPr lang="de-DE" dirty="0" err="1" smtClean="0"/>
+              <a:t>Ingredients</a:t>
+            </a:r>
+            <a:endParaRPr lang="de-DE" dirty="0"/>
+          </a:p>
+        </p:txBody>
+      </p:sp>
+      <p:sp>
+        <p:nvSpPr>
+          <p:cNvPr id="3" name="Textplatzhalter 2"/>
+          <p:cNvSpPr>
+            <a:spLocks noGrp="1"/>
+          </p:cNvSpPr>
+          <p:nvPr>
+            <p:ph type="body" idx="1"/>
+          </p:nvPr>
+        </p:nvSpPr>
+        <p:spPr/>
+        <p:txBody>
+          <a:bodyPr/>
+          <a:lstStyle/>
+          <a:p>
+            <a:r>
+              <a:rPr lang="de-DE" sz="3200" dirty="0"/>
+              <a:t>Methode</a:t>
+            </a:r>
+            <a:endParaRPr lang="de-DE" dirty="0"/>
+          </a:p>
+        </p:txBody>
+      </p:sp>
+      <p:sp>
+        <p:nvSpPr>
+          <p:cNvPr id="4" name="Textplatzhalter 3"/>
+          <p:cNvSpPr>
+            <a:spLocks noGrp="1"/>
+          </p:cNvSpPr>
+          <p:nvPr>
+            <p:ph type="body" sz="half" idx="15"/>
+          </p:nvPr>
+        </p:nvSpPr>
+        <p:spPr/>
+        <p:txBody>
+          <a:bodyPr>
+            <a:normAutofit/>
+          </a:bodyPr>
+          <a:lstStyle/>
+          <a:p>
+            <a:endParaRPr lang="de-DE" sz="1600" dirty="0"/>
+          </a:p>
+          <a:p>
+            <a:r>
+              <a:rPr lang="de-DE" sz="1600" dirty="0" err="1"/>
+              <a:t>post</a:t>
+            </a:r>
+            <a:endParaRPr lang="de-DE" sz="1600" dirty="0"/>
+          </a:p>
+          <a:p>
+            <a:r>
+              <a:rPr lang="de-DE" sz="1600" dirty="0" err="1"/>
+              <a:t>put</a:t>
+            </a:r>
+            <a:endParaRPr lang="de-DE" sz="1600" dirty="0"/>
+          </a:p>
+          <a:p>
+            <a:r>
+              <a:rPr lang="de-DE" sz="1600" dirty="0" err="1"/>
+              <a:t>get</a:t>
+            </a:r>
+            <a:endParaRPr lang="de-DE" sz="1600" dirty="0"/>
+          </a:p>
+          <a:p>
+            <a:r>
+              <a:rPr lang="de-DE" sz="1600" dirty="0" err="1"/>
+              <a:t>delete</a:t>
+            </a:r>
+            <a:endParaRPr lang="de-DE" sz="1600" dirty="0"/>
+          </a:p>
+        </p:txBody>
+      </p:sp>
+      <p:sp>
+        <p:nvSpPr>
+          <p:cNvPr id="5" name="Textplatzhalter 4"/>
+          <p:cNvSpPr>
+            <a:spLocks noGrp="1"/>
+          </p:cNvSpPr>
+          <p:nvPr>
+            <p:ph type="body" sz="quarter" idx="3"/>
+          </p:nvPr>
+        </p:nvSpPr>
+        <p:spPr/>
+        <p:txBody>
+          <a:bodyPr/>
+          <a:lstStyle/>
+          <a:p>
+            <a:r>
+              <a:rPr lang="de-DE" sz="3200" dirty="0"/>
+              <a:t>URI</a:t>
+            </a:r>
+          </a:p>
+        </p:txBody>
+      </p:sp>
+      <p:sp>
+        <p:nvSpPr>
+          <p:cNvPr id="6" name="Textplatzhalter 5"/>
+          <p:cNvSpPr>
+            <a:spLocks noGrp="1"/>
+          </p:cNvSpPr>
+          <p:nvPr>
+            <p:ph type="body" sz="half" idx="16"/>
+          </p:nvPr>
+        </p:nvSpPr>
+        <p:spPr/>
+        <p:txBody>
+          <a:bodyPr>
+            <a:normAutofit/>
+          </a:bodyPr>
+          <a:lstStyle/>
+          <a:p>
+            <a:endParaRPr lang="de-DE" sz="1600" dirty="0" smtClean="0"/>
+          </a:p>
+          <a:p>
+            <a:r>
+              <a:rPr lang="de-DE" sz="1600" dirty="0" smtClean="0"/>
+              <a:t>/</a:t>
+            </a:r>
+            <a:r>
+              <a:rPr lang="de-DE" sz="1600" dirty="0" err="1" smtClean="0"/>
+              <a:t>ingredients</a:t>
+            </a:r>
+            <a:r>
+              <a:rPr lang="de-DE" sz="1600" dirty="0" smtClean="0"/>
+              <a:t>/</a:t>
+            </a:r>
+          </a:p>
+          <a:p>
+            <a:r>
+              <a:rPr lang="de-DE" sz="1600" dirty="0"/>
+              <a:t>/</a:t>
+            </a:r>
+            <a:r>
+              <a:rPr lang="de-DE" sz="1600" dirty="0" err="1" smtClean="0"/>
+              <a:t>ingredients</a:t>
+            </a:r>
+            <a:r>
+              <a:rPr lang="de-DE" sz="1600" dirty="0"/>
+              <a:t>/{</a:t>
+            </a:r>
+            <a:r>
+              <a:rPr lang="de-DE" sz="1600" dirty="0" err="1"/>
+              <a:t>junkId</a:t>
+            </a:r>
+            <a:r>
+              <a:rPr lang="de-DE" sz="1600" dirty="0"/>
+              <a:t>}</a:t>
+            </a:r>
+          </a:p>
+          <a:p>
+            <a:r>
+              <a:rPr lang="de-DE" sz="1600" dirty="0" smtClean="0"/>
+              <a:t>/</a:t>
+            </a:r>
+            <a:r>
+              <a:rPr lang="de-DE" sz="1600" dirty="0" err="1" smtClean="0"/>
+              <a:t>ingredients</a:t>
+            </a:r>
+            <a:r>
+              <a:rPr lang="de-DE" sz="1600" dirty="0"/>
+              <a:t>/{</a:t>
+            </a:r>
+            <a:r>
+              <a:rPr lang="de-DE" sz="1600" dirty="0" err="1"/>
+              <a:t>junkId</a:t>
+            </a:r>
+            <a:r>
+              <a:rPr lang="de-DE" sz="1600" dirty="0"/>
+              <a:t>}</a:t>
+            </a:r>
+          </a:p>
+          <a:p>
+            <a:r>
+              <a:rPr lang="de-DE" sz="1600" dirty="0" smtClean="0"/>
+              <a:t>/</a:t>
+            </a:r>
+            <a:r>
+              <a:rPr lang="de-DE" sz="1600" dirty="0" err="1" smtClean="0"/>
+              <a:t>ingredients</a:t>
+            </a:r>
+            <a:r>
+              <a:rPr lang="de-DE" sz="1600" dirty="0"/>
+              <a:t>/{</a:t>
+            </a:r>
+            <a:r>
+              <a:rPr lang="de-DE" sz="1600" dirty="0" err="1"/>
+              <a:t>junkId</a:t>
+            </a:r>
+            <a:r>
+              <a:rPr lang="de-DE" sz="1600" dirty="0"/>
+              <a:t>}</a:t>
+            </a:r>
+          </a:p>
+          <a:p>
+            <a:endParaRPr lang="de-DE" sz="1600" dirty="0" smtClean="0"/>
+          </a:p>
+          <a:p>
+            <a:endParaRPr lang="de-DE" sz="1600" dirty="0"/>
+          </a:p>
+        </p:txBody>
+      </p:sp>
+      <p:sp>
+        <p:nvSpPr>
+          <p:cNvPr id="7" name="Textplatzhalter 6"/>
+          <p:cNvSpPr>
+            <a:spLocks noGrp="1"/>
+          </p:cNvSpPr>
+          <p:nvPr>
+            <p:ph type="body" sz="quarter" idx="13"/>
+          </p:nvPr>
+        </p:nvSpPr>
+        <p:spPr/>
+        <p:txBody>
+          <a:bodyPr/>
+          <a:lstStyle/>
+          <a:p>
+            <a:r>
+              <a:rPr lang="de-DE" sz="3200" dirty="0"/>
+              <a:t>Beschreibung</a:t>
+            </a:r>
+          </a:p>
+        </p:txBody>
+      </p:sp>
+      <p:sp>
+        <p:nvSpPr>
+          <p:cNvPr id="8" name="Textplatzhalter 7"/>
+          <p:cNvSpPr>
+            <a:spLocks noGrp="1"/>
+          </p:cNvSpPr>
+          <p:nvPr>
+            <p:ph type="body" sz="half" idx="17"/>
+          </p:nvPr>
+        </p:nvSpPr>
+        <p:spPr/>
+        <p:txBody>
+          <a:bodyPr>
+            <a:normAutofit/>
+          </a:bodyPr>
+          <a:lstStyle/>
+          <a:p>
+            <a:endParaRPr lang="de-DE" sz="1600" dirty="0"/>
+          </a:p>
+          <a:p>
+            <a:r>
+              <a:rPr lang="de-DE" sz="1600" dirty="0"/>
+              <a:t>Anlegen</a:t>
+            </a:r>
+          </a:p>
+          <a:p>
+            <a:r>
+              <a:rPr lang="de-DE" sz="1600" dirty="0"/>
+              <a:t>Editieren</a:t>
+            </a:r>
+          </a:p>
+          <a:p>
+            <a:r>
+              <a:rPr lang="de-DE" sz="1600" dirty="0"/>
+              <a:t>Ausgeben</a:t>
+            </a:r>
+          </a:p>
+          <a:p>
+            <a:r>
+              <a:rPr lang="de-DE" sz="1600" dirty="0"/>
+              <a:t>Löschen</a:t>
+            </a:r>
+          </a:p>
+          <a:p>
+            <a:endParaRPr lang="de-DE" sz="1600" dirty="0"/>
+          </a:p>
+        </p:txBody>
+      </p:sp>
+      <p:sp>
+        <p:nvSpPr>
+          <p:cNvPr id="9" name="Foliennummernplatzhalter 8"/>
+          <p:cNvSpPr>
+            <a:spLocks noGrp="1"/>
+          </p:cNvSpPr>
+          <p:nvPr>
+            <p:ph type="sldNum" sz="quarter" idx="12"/>
+          </p:nvPr>
+        </p:nvSpPr>
+        <p:spPr/>
+        <p:txBody>
+          <a:bodyPr/>
+          <a:lstStyle/>
+          <a:p>
+            <a:fld id="{D57F1E4F-1CFF-5643-939E-217C01CDF565}" type="slidenum">
+              <a:rPr lang="en-US" smtClean="0"/>
+              <a:pPr/>
+              <a:t>13</a:t>
+            </a:fld>
+            <a:endParaRPr lang="en-US" dirty="0"/>
+          </a:p>
+        </p:txBody>
+      </p:sp>
+    </p:spTree>
+    <p:extLst>
+      <p:ext uri="{BB962C8B-B14F-4D97-AF65-F5344CB8AC3E}">
+        <p14:creationId xmlns:p14="http://schemas.microsoft.com/office/powerpoint/2010/main" val="4161723516"/>
+      </p:ext>
+    </p:extLst>
+  </p:cSld>
+  <p:clrMapOvr>
+    <a:masterClrMapping/>
+  </p:clrMapOvr>
+</p:sld>
+</file>
+
+<file path=ppt/slides/slide14.xml><?xml version="1.0" encoding="utf-8"?>
+<p:sld xmlns:a="http://schemas.openxmlformats.org/drawingml/2006/main" xmlns:r="http://schemas.openxmlformats.org/officeDocument/2006/relationships" xmlns:p="http://schemas.openxmlformats.org/presentationml/2006/main">
+  <p:cSld>
+    <p:spTree>
+      <p:nvGrpSpPr>
+        <p:cNvPr id="1" name=""/>
+        <p:cNvGrpSpPr/>
+        <p:nvPr/>
+      </p:nvGrpSpPr>
+      <p:grpSpPr>
+        <a:xfrm>
+          <a:off x="0" y="0"/>
+          <a:ext cx="0" cy="0"/>
+          <a:chOff x="0" y="0"/>
+          <a:chExt cx="0" cy="0"/>
+        </a:xfrm>
+      </p:grpSpPr>
+      <p:sp>
+        <p:nvSpPr>
+          <p:cNvPr id="2" name="Titel 1"/>
+          <p:cNvSpPr>
+            <a:spLocks noGrp="1"/>
+          </p:cNvSpPr>
+          <p:nvPr>
+            <p:ph type="title"/>
+          </p:nvPr>
+        </p:nvSpPr>
+        <p:spPr/>
+        <p:txBody>
+          <a:bodyPr/>
+          <a:lstStyle/>
+          <a:p>
+            <a:r>
+              <a:rPr lang="de-DE" dirty="0"/>
+              <a:t>Arbeitseinteilung</a:t>
+            </a:r>
+          </a:p>
+        </p:txBody>
+      </p:sp>
+      <p:sp>
+        <p:nvSpPr>
+          <p:cNvPr id="3" name="Textplatzhalter 2"/>
+          <p:cNvSpPr>
+            <a:spLocks noGrp="1"/>
+          </p:cNvSpPr>
+          <p:nvPr>
+            <p:ph type="body" idx="1"/>
+          </p:nvPr>
+        </p:nvSpPr>
+        <p:spPr/>
+        <p:txBody>
+          <a:bodyPr/>
+          <a:lstStyle/>
+          <a:p>
+            <a:r>
+              <a:rPr lang="de-DE" sz="3200" dirty="0" smtClean="0"/>
+              <a:t>Harry</a:t>
+            </a:r>
+            <a:endParaRPr lang="de-DE" dirty="0"/>
+          </a:p>
+        </p:txBody>
+      </p:sp>
+      <p:sp>
+        <p:nvSpPr>
+          <p:cNvPr id="4" name="Textplatzhalter 3"/>
+          <p:cNvSpPr>
+            <a:spLocks noGrp="1"/>
+          </p:cNvSpPr>
+          <p:nvPr>
+            <p:ph type="body" sz="half" idx="15"/>
+          </p:nvPr>
+        </p:nvSpPr>
+        <p:spPr/>
+        <p:txBody>
+          <a:bodyPr>
+            <a:normAutofit/>
+          </a:bodyPr>
+          <a:lstStyle/>
+          <a:p>
+            <a:pPr marL="285750" indent="-285750">
+              <a:buFont typeface="Wingdings" panose="05000000000000000000" pitchFamily="2" charset="2"/>
+              <a:buChar char="Ø"/>
+            </a:pPr>
+            <a:endParaRPr lang="de-DE" sz="1600" dirty="0" smtClean="0"/>
+          </a:p>
+          <a:p>
+            <a:pPr marL="285750" indent="-285750">
+              <a:buFont typeface="Wingdings" panose="05000000000000000000" pitchFamily="2" charset="2"/>
+              <a:buChar char="Ø"/>
+            </a:pPr>
+            <a:r>
+              <a:rPr lang="de-DE" sz="1600" dirty="0" smtClean="0"/>
+              <a:t>Dokumentation</a:t>
+            </a:r>
+            <a:endParaRPr lang="de-DE" sz="1600" dirty="0" smtClean="0"/>
+          </a:p>
+          <a:p>
+            <a:pPr marL="285750" indent="-285750">
+              <a:buFont typeface="Wingdings" panose="05000000000000000000" pitchFamily="2" charset="2"/>
+              <a:buChar char="Ø"/>
+            </a:pPr>
+            <a:r>
+              <a:rPr lang="de-DE" sz="1600" dirty="0" smtClean="0"/>
+              <a:t>App (</a:t>
+            </a:r>
+            <a:r>
+              <a:rPr lang="de-DE" sz="1600" dirty="0" err="1" smtClean="0"/>
+              <a:t>activities</a:t>
+            </a:r>
+            <a:r>
+              <a:rPr lang="de-DE" sz="1600" dirty="0" smtClean="0"/>
+              <a:t>)</a:t>
+            </a:r>
+          </a:p>
+          <a:p>
+            <a:pPr marL="285750" indent="-285750">
+              <a:buFont typeface="Wingdings" panose="05000000000000000000" pitchFamily="2" charset="2"/>
+              <a:buChar char="Ø"/>
+            </a:pPr>
+            <a:r>
+              <a:rPr lang="de-DE" sz="1600" dirty="0" smtClean="0"/>
+              <a:t>Server aufsetzen</a:t>
+            </a:r>
+          </a:p>
+          <a:p>
+            <a:pPr marL="285750" indent="-285750">
+              <a:buFont typeface="Wingdings" panose="05000000000000000000" pitchFamily="2" charset="2"/>
+              <a:buChar char="Ø"/>
+            </a:pPr>
+            <a:r>
+              <a:rPr lang="de-DE" sz="1600" dirty="0" smtClean="0"/>
+              <a:t>Webservices</a:t>
+            </a:r>
+          </a:p>
+          <a:p>
+            <a:pPr marL="285750" indent="-285750">
+              <a:buFont typeface="Wingdings" panose="05000000000000000000" pitchFamily="2" charset="2"/>
+              <a:buChar char="Ø"/>
+            </a:pPr>
+            <a:r>
+              <a:rPr lang="de-DE" sz="1600" dirty="0" smtClean="0"/>
+              <a:t>Backend</a:t>
+            </a:r>
+            <a:endParaRPr lang="de-DE" sz="1600" dirty="0"/>
+          </a:p>
+        </p:txBody>
+      </p:sp>
+      <p:sp>
+        <p:nvSpPr>
+          <p:cNvPr id="5" name="Textplatzhalter 4"/>
+          <p:cNvSpPr>
+            <a:spLocks noGrp="1"/>
+          </p:cNvSpPr>
+          <p:nvPr>
+            <p:ph type="body" sz="quarter" idx="3"/>
+          </p:nvPr>
+        </p:nvSpPr>
+        <p:spPr/>
+        <p:txBody>
+          <a:bodyPr/>
+          <a:lstStyle/>
+          <a:p>
+            <a:r>
+              <a:rPr lang="de-DE" sz="3200" dirty="0" smtClean="0"/>
+              <a:t>Andi</a:t>
+            </a:r>
+            <a:endParaRPr lang="de-DE" dirty="0"/>
+          </a:p>
+        </p:txBody>
+      </p:sp>
+      <p:sp>
+        <p:nvSpPr>
+          <p:cNvPr id="6" name="Textplatzhalter 5"/>
+          <p:cNvSpPr>
+            <a:spLocks noGrp="1"/>
+          </p:cNvSpPr>
+          <p:nvPr>
+            <p:ph type="body" sz="half" idx="16"/>
+          </p:nvPr>
+        </p:nvSpPr>
+        <p:spPr/>
+        <p:txBody>
+          <a:bodyPr>
+            <a:normAutofit/>
+          </a:bodyPr>
+          <a:lstStyle/>
+          <a:p>
+            <a:pPr marL="285750" indent="-285750">
+              <a:buFont typeface="Wingdings" panose="05000000000000000000" pitchFamily="2" charset="2"/>
+              <a:buChar char="Ø"/>
+            </a:pPr>
+            <a:endParaRPr lang="de-DE" sz="1600" dirty="0" smtClean="0"/>
+          </a:p>
+          <a:p>
+            <a:pPr marL="285750" indent="-285750">
+              <a:buFont typeface="Wingdings" panose="05000000000000000000" pitchFamily="2" charset="2"/>
+              <a:buChar char="Ø"/>
+            </a:pPr>
+            <a:r>
+              <a:rPr lang="de-DE" sz="1600" dirty="0" smtClean="0"/>
+              <a:t>Dokumentation</a:t>
+            </a:r>
+            <a:endParaRPr lang="de-DE" sz="1600" dirty="0" smtClean="0"/>
+          </a:p>
+          <a:p>
+            <a:pPr marL="285750" indent="-285750">
+              <a:buFont typeface="Wingdings" panose="05000000000000000000" pitchFamily="2" charset="2"/>
+              <a:buChar char="Ø"/>
+            </a:pPr>
+            <a:r>
+              <a:rPr lang="de-DE" sz="1600" dirty="0" smtClean="0"/>
+              <a:t>Datenbank-Design</a:t>
+            </a:r>
+          </a:p>
+          <a:p>
+            <a:pPr marL="285750" indent="-285750">
+              <a:buFont typeface="Wingdings" panose="05000000000000000000" pitchFamily="2" charset="2"/>
+              <a:buChar char="Ø"/>
+            </a:pPr>
+            <a:r>
+              <a:rPr lang="de-DE" sz="1600" dirty="0"/>
+              <a:t>App (</a:t>
+            </a:r>
+            <a:r>
+              <a:rPr lang="de-DE" sz="1600" dirty="0" err="1" smtClean="0"/>
+              <a:t>activities</a:t>
+            </a:r>
+            <a:r>
+              <a:rPr lang="de-DE" sz="1600" dirty="0" smtClean="0"/>
+              <a:t>)</a:t>
+            </a:r>
+          </a:p>
+          <a:p>
+            <a:pPr marL="285750" indent="-285750">
+              <a:buFont typeface="Wingdings" panose="05000000000000000000" pitchFamily="2" charset="2"/>
+              <a:buChar char="Ø"/>
+            </a:pPr>
+            <a:r>
+              <a:rPr lang="de-DE" sz="1600" dirty="0" smtClean="0"/>
+              <a:t>Webservices</a:t>
+            </a:r>
+            <a:endParaRPr lang="de-DE" sz="1600" dirty="0"/>
+          </a:p>
+        </p:txBody>
+      </p:sp>
+      <p:sp>
+        <p:nvSpPr>
+          <p:cNvPr id="7" name="Textplatzhalter 6"/>
+          <p:cNvSpPr>
+            <a:spLocks noGrp="1"/>
+          </p:cNvSpPr>
+          <p:nvPr>
+            <p:ph type="body" sz="quarter" idx="13"/>
+          </p:nvPr>
+        </p:nvSpPr>
+        <p:spPr/>
+        <p:txBody>
+          <a:bodyPr/>
+          <a:lstStyle/>
+          <a:p>
+            <a:r>
+              <a:rPr lang="de-DE" sz="3200" dirty="0" err="1" smtClean="0"/>
+              <a:t>Basti</a:t>
+            </a:r>
+            <a:endParaRPr lang="de-DE" dirty="0"/>
+          </a:p>
+        </p:txBody>
+      </p:sp>
+      <p:sp>
+        <p:nvSpPr>
+          <p:cNvPr id="8" name="Textplatzhalter 7"/>
+          <p:cNvSpPr>
+            <a:spLocks noGrp="1"/>
+          </p:cNvSpPr>
+          <p:nvPr>
+            <p:ph type="body" sz="half" idx="17"/>
+          </p:nvPr>
+        </p:nvSpPr>
+        <p:spPr/>
+        <p:txBody>
+          <a:bodyPr>
+            <a:normAutofit/>
+          </a:bodyPr>
+          <a:lstStyle/>
+          <a:p>
+            <a:pPr marL="285750" indent="-285750">
+              <a:buFont typeface="Wingdings" panose="05000000000000000000" pitchFamily="2" charset="2"/>
+              <a:buChar char="Ø"/>
+            </a:pPr>
+            <a:endParaRPr lang="de-DE" sz="1600" dirty="0" smtClean="0"/>
+          </a:p>
+          <a:p>
+            <a:pPr marL="285750" indent="-285750">
+              <a:buFont typeface="Wingdings" panose="05000000000000000000" pitchFamily="2" charset="2"/>
+              <a:buChar char="Ø"/>
+            </a:pPr>
+            <a:r>
+              <a:rPr lang="de-DE" sz="1600" dirty="0" smtClean="0"/>
+              <a:t>Dokumentation</a:t>
+            </a:r>
+            <a:endParaRPr lang="de-DE" sz="1600" dirty="0" smtClean="0"/>
+          </a:p>
+          <a:p>
+            <a:pPr marL="285750" indent="-285750">
+              <a:buFont typeface="Wingdings" panose="05000000000000000000" pitchFamily="2" charset="2"/>
+              <a:buChar char="Ø"/>
+            </a:pPr>
+            <a:r>
+              <a:rPr lang="de-DE" sz="1600" dirty="0" smtClean="0"/>
+              <a:t>Erstellung Android App</a:t>
+            </a:r>
+          </a:p>
+          <a:p>
+            <a:pPr marL="285750" indent="-285750">
+              <a:buFont typeface="Wingdings" panose="05000000000000000000" pitchFamily="2" charset="2"/>
+              <a:buChar char="Ø"/>
+            </a:pPr>
+            <a:r>
+              <a:rPr lang="de-DE" sz="1600" dirty="0" smtClean="0"/>
+              <a:t>App UI</a:t>
+            </a:r>
+          </a:p>
+          <a:p>
+            <a:pPr marL="285750" indent="-285750">
+              <a:buFont typeface="Wingdings" panose="05000000000000000000" pitchFamily="2" charset="2"/>
+              <a:buChar char="Ø"/>
+            </a:pPr>
+            <a:r>
+              <a:rPr lang="de-DE" sz="1600" dirty="0"/>
+              <a:t>App (</a:t>
+            </a:r>
+            <a:r>
+              <a:rPr lang="de-DE" sz="1600" dirty="0" err="1"/>
+              <a:t>activities</a:t>
+            </a:r>
+            <a:r>
+              <a:rPr lang="de-DE" sz="1600" dirty="0" smtClean="0"/>
+              <a:t>)</a:t>
+            </a:r>
+          </a:p>
+          <a:p>
+            <a:pPr marL="285750" indent="-285750">
+              <a:buFont typeface="Wingdings" panose="05000000000000000000" pitchFamily="2" charset="2"/>
+              <a:buChar char="Ø"/>
+            </a:pPr>
+            <a:r>
+              <a:rPr lang="de-DE" sz="1600" dirty="0"/>
+              <a:t>Webservices</a:t>
+            </a:r>
+          </a:p>
+          <a:p>
+            <a:pPr marL="285750" indent="-285750">
+              <a:buFont typeface="Wingdings" panose="05000000000000000000" pitchFamily="2" charset="2"/>
+              <a:buChar char="Ø"/>
+            </a:pPr>
+            <a:endParaRPr lang="de-DE" sz="1600" dirty="0"/>
+          </a:p>
+        </p:txBody>
+      </p:sp>
+      <p:sp>
+        <p:nvSpPr>
+          <p:cNvPr id="9" name="Foliennummernplatzhalter 8"/>
+          <p:cNvSpPr>
+            <a:spLocks noGrp="1"/>
+          </p:cNvSpPr>
+          <p:nvPr>
+            <p:ph type="sldNum" sz="quarter" idx="12"/>
+          </p:nvPr>
+        </p:nvSpPr>
+        <p:spPr/>
+        <p:txBody>
+          <a:bodyPr/>
+          <a:lstStyle/>
+          <a:p>
+            <a:fld id="{D57F1E4F-1CFF-5643-939E-217C01CDF565}" type="slidenum">
+              <a:rPr lang="en-US" smtClean="0"/>
+              <a:pPr/>
+              <a:t>14</a:t>
+            </a:fld>
+            <a:endParaRPr lang="en-US" dirty="0"/>
+          </a:p>
+        </p:txBody>
+      </p:sp>
+    </p:spTree>
+    <p:extLst>
+      <p:ext uri="{BB962C8B-B14F-4D97-AF65-F5344CB8AC3E}">
+        <p14:creationId xmlns:p14="http://schemas.microsoft.com/office/powerpoint/2010/main" val="1119948820"/>
       </p:ext>
     </p:extLst>
   </p:cSld>
@@ -13208,36 +14876,36 @@
         </p:nvSpPr>
         <p:spPr/>
         <p:txBody>
-          <a:bodyPr/>
+          <a:bodyPr>
+            <a:normAutofit/>
+          </a:bodyPr>
           <a:lstStyle/>
           <a:p>
             <a:r>
-              <a:rPr lang="de-DE" dirty="0" smtClean="0"/>
+              <a:rPr lang="de-DE" sz="2000" dirty="0" smtClean="0"/>
               <a:t>Beschreibung der Anwendungsfälle</a:t>
             </a:r>
-            <a:endParaRPr lang="de-DE" dirty="0" smtClean="0"/>
-          </a:p>
-          <a:p>
-            <a:r>
-              <a:rPr lang="de-DE" dirty="0"/>
+          </a:p>
+          <a:p>
+            <a:r>
+              <a:rPr lang="de-DE" sz="2000" dirty="0"/>
               <a:t>Architektur: Komponenten und Schnittstellen</a:t>
             </a:r>
           </a:p>
           <a:p>
             <a:r>
-              <a:rPr lang="de-DE" dirty="0" smtClean="0"/>
+              <a:rPr lang="de-DE" sz="2000" dirty="0" smtClean="0"/>
               <a:t>Geplante Webservices und Schnittstellendefinition</a:t>
             </a:r>
-            <a:endParaRPr lang="de-DE" dirty="0" smtClean="0"/>
-          </a:p>
-          <a:p>
-            <a:r>
-              <a:rPr lang="de-DE" dirty="0" smtClean="0"/>
+          </a:p>
+          <a:p>
+            <a:r>
+              <a:rPr lang="de-DE" sz="2000" dirty="0" smtClean="0"/>
               <a:t>Arbeitseinteilung im Projektteam</a:t>
             </a:r>
           </a:p>
           <a:p>
-            <a:endParaRPr lang="de-DE" dirty="0"/>
+            <a:endParaRPr lang="de-DE" sz="2000" dirty="0"/>
           </a:p>
         </p:txBody>
       </p:sp>
@@ -13337,44 +15005,46 @@
         </p:nvSpPr>
         <p:spPr/>
         <p:txBody>
-          <a:bodyPr/>
+          <a:bodyPr>
+            <a:noAutofit/>
+          </a:bodyPr>
           <a:lstStyle/>
           <a:p>
             <a:r>
-              <a:rPr lang="de-DE" dirty="0" smtClean="0"/>
+              <a:rPr lang="de-DE" sz="2000" dirty="0" smtClean="0"/>
               <a:t>Der User soll sich einloggen und ausloggen können</a:t>
             </a:r>
           </a:p>
           <a:p>
             <a:r>
-              <a:rPr lang="de-DE" dirty="0" smtClean="0"/>
+              <a:rPr lang="de-DE" sz="2000" dirty="0" smtClean="0"/>
               <a:t>Der User soll in der Hauptansicht eine Liste von konfigurierten Speisen zur Auswahl gestellt bekommen</a:t>
             </a:r>
           </a:p>
           <a:p>
             <a:r>
-              <a:rPr lang="de-DE" dirty="0" smtClean="0"/>
+              <a:rPr lang="de-DE" sz="2000" dirty="0" smtClean="0"/>
               <a:t>Der User soll zu allen Speisen eine Detailansicht öffnen können</a:t>
             </a:r>
           </a:p>
           <a:p>
             <a:r>
-              <a:rPr lang="de-DE" dirty="0" smtClean="0"/>
+              <a:rPr lang="de-DE" sz="2000" dirty="0" smtClean="0"/>
               <a:t>Der User soll in der Detailansicht zusätzliche Zutaten zu bestehenden Speisen auswählen und hinzufügen können</a:t>
             </a:r>
           </a:p>
           <a:p>
             <a:r>
-              <a:rPr lang="de-DE" dirty="0" smtClean="0"/>
+              <a:rPr lang="de-DE" sz="2000" dirty="0" smtClean="0"/>
               <a:t>Der User soll neue, eigene Speisen mit den angebotenen Zutaten erstellen können</a:t>
             </a:r>
           </a:p>
           <a:p>
             <a:r>
-              <a:rPr lang="de-DE" dirty="0" smtClean="0"/>
+              <a:rPr lang="de-DE" sz="2000" dirty="0" smtClean="0"/>
               <a:t>Der User soll neue, eigene Speisen speichern können</a:t>
             </a:r>
-            <a:endParaRPr lang="de-DE" dirty="0"/>
+            <a:endParaRPr lang="de-DE" sz="2000" dirty="0"/>
           </a:p>
         </p:txBody>
       </p:sp>
@@ -13474,43 +15144,55 @@
         </p:nvSpPr>
         <p:spPr/>
         <p:txBody>
-          <a:bodyPr/>
+          <a:bodyPr>
+            <a:noAutofit/>
+          </a:bodyPr>
           <a:lstStyle/>
           <a:p>
             <a:r>
-              <a:rPr lang="de-DE" dirty="0"/>
+              <a:rPr lang="de-DE" sz="2000" dirty="0"/>
               <a:t>Der User soll für neu angelegte Speisen Bilder hochladen </a:t>
             </a:r>
             <a:r>
-              <a:rPr lang="de-DE" dirty="0" smtClean="0"/>
+              <a:rPr lang="de-DE" sz="2000" dirty="0" smtClean="0"/>
               <a:t>können</a:t>
             </a:r>
-            <a:endParaRPr lang="de-DE" dirty="0"/>
-          </a:p>
-          <a:p>
-            <a:r>
-              <a:rPr lang="de-DE" dirty="0" smtClean="0"/>
+          </a:p>
+          <a:p>
+            <a:r>
+              <a:rPr lang="de-DE" sz="2000" dirty="0" smtClean="0"/>
+              <a:t>Der User soll die Liste der Speisen nach eigenen / vorkonfigurierten Speisen filtern können</a:t>
+            </a:r>
+            <a:endParaRPr lang="de-DE" sz="2000" dirty="0"/>
+          </a:p>
+          <a:p>
+            <a:r>
+              <a:rPr lang="de-DE" sz="2000" dirty="0" smtClean="0"/>
               <a:t>Die App soll die Summen der Nährwerte pro Speise anzeigen</a:t>
             </a:r>
           </a:p>
           <a:p>
             <a:r>
-              <a:rPr lang="de-DE" dirty="0" smtClean="0"/>
+              <a:rPr lang="de-DE" sz="2000" dirty="0" smtClean="0"/>
               <a:t>Die App soll die vorkonfigurierten Speisen sowie die von Usern gespeicherten Speisen anzeigen</a:t>
             </a:r>
           </a:p>
           <a:p>
             <a:r>
-              <a:rPr lang="de-DE" dirty="0" smtClean="0"/>
-              <a:t>Der Admin soll neue Zutaten und vorkonfigurierte Speisen anlegen können</a:t>
-            </a:r>
-          </a:p>
-          <a:p>
-            <a:r>
-              <a:rPr lang="de-DE" dirty="0" smtClean="0"/>
-              <a:t>Der Admin soll die angelegten Speisen und Zutaten verändern können</a:t>
-            </a:r>
-            <a:endParaRPr lang="de-DE" dirty="0"/>
+              <a:rPr lang="de-DE" sz="2000" dirty="0" smtClean="0"/>
+              <a:t>Die Liste der Speisen soll nach vegetarisch / nicht vegetarisch gefiltert werden können</a:t>
+            </a:r>
+          </a:p>
+          <a:p>
+            <a:r>
+              <a:rPr lang="de-DE" sz="2000" dirty="0"/>
+              <a:t>Die Liste der Zutaten soll nach vegetarisch / nicht vegetarisch gefiltert werden </a:t>
+            </a:r>
+            <a:r>
+              <a:rPr lang="de-DE" sz="2000" dirty="0" smtClean="0"/>
+              <a:t>können</a:t>
+            </a:r>
+            <a:endParaRPr lang="de-DE" sz="2000" dirty="0"/>
           </a:p>
         </p:txBody>
       </p:sp>
@@ -13592,6 +15274,244 @@
           <a:p>
             <a:r>
               <a:rPr lang="de-DE" dirty="0" smtClean="0"/>
+              <a:t>Anwendungsfälle 3</a:t>
+            </a:r>
+            <a:endParaRPr lang="de-DE" dirty="0"/>
+          </a:p>
+        </p:txBody>
+      </p:sp>
+      <p:sp>
+        <p:nvSpPr>
+          <p:cNvPr id="3" name="Inhaltsplatzhalter 2"/>
+          <p:cNvSpPr>
+            <a:spLocks noGrp="1"/>
+          </p:cNvSpPr>
+          <p:nvPr>
+            <p:ph idx="1"/>
+          </p:nvPr>
+        </p:nvSpPr>
+        <p:spPr/>
+        <p:txBody>
+          <a:bodyPr>
+            <a:noAutofit/>
+          </a:bodyPr>
+          <a:lstStyle/>
+          <a:p>
+            <a:r>
+              <a:rPr lang="de-DE" sz="2000" dirty="0" smtClean="0"/>
+              <a:t>Der </a:t>
+            </a:r>
+            <a:r>
+              <a:rPr lang="de-DE" sz="2000" dirty="0"/>
+              <a:t>Admin soll neue Zutaten und vorkonfigurierte Speisen anlegen können</a:t>
+            </a:r>
+          </a:p>
+          <a:p>
+            <a:r>
+              <a:rPr lang="de-DE" sz="2000" dirty="0"/>
+              <a:t>Der Admin soll die angelegten Speisen und Zutaten verändern </a:t>
+            </a:r>
+            <a:r>
+              <a:rPr lang="de-DE" sz="2000" dirty="0" smtClean="0"/>
+              <a:t>können</a:t>
+            </a:r>
+          </a:p>
+          <a:p>
+            <a:r>
+              <a:rPr lang="de-DE" sz="2000" dirty="0"/>
+              <a:t>Der Admin soll die angelegten Speisen und Zutaten </a:t>
+            </a:r>
+            <a:r>
+              <a:rPr lang="de-DE" sz="2000" dirty="0" smtClean="0"/>
+              <a:t>löschen können</a:t>
+            </a:r>
+          </a:p>
+          <a:p>
+            <a:r>
+              <a:rPr lang="de-DE" sz="2000" dirty="0" smtClean="0"/>
+              <a:t>Der Admin soll User anlegen können</a:t>
+            </a:r>
+          </a:p>
+          <a:p>
+            <a:r>
+              <a:rPr lang="de-DE" sz="2000" dirty="0" smtClean="0"/>
+              <a:t>Der Admin soll User ändern können</a:t>
+            </a:r>
+          </a:p>
+          <a:p>
+            <a:r>
+              <a:rPr lang="de-DE" sz="2000" dirty="0" smtClean="0"/>
+              <a:t>Der Admin soll User löschen können</a:t>
+            </a:r>
+            <a:endParaRPr lang="de-DE" sz="2000" dirty="0"/>
+          </a:p>
+          <a:p>
+            <a:endParaRPr lang="de-DE" sz="2000" dirty="0"/>
+          </a:p>
+        </p:txBody>
+      </p:sp>
+      <p:sp>
+        <p:nvSpPr>
+          <p:cNvPr id="4" name="Foliennummernplatzhalter 3"/>
+          <p:cNvSpPr>
+            <a:spLocks noGrp="1"/>
+          </p:cNvSpPr>
+          <p:nvPr>
+            <p:ph type="sldNum" sz="quarter" idx="12"/>
+          </p:nvPr>
+        </p:nvSpPr>
+        <p:spPr/>
+        <p:txBody>
+          <a:bodyPr/>
+          <a:lstStyle/>
+          <a:p>
+            <a:fld id="{D57F1E4F-1CFF-5643-939E-217C01CDF565}" type="slidenum">
+              <a:rPr lang="en-US" smtClean="0"/>
+              <a:pPr/>
+              <a:t>5</a:t>
+            </a:fld>
+            <a:endParaRPr lang="en-US" dirty="0"/>
+          </a:p>
+        </p:txBody>
+      </p:sp>
+    </p:spTree>
+    <p:extLst>
+      <p:ext uri="{BB962C8B-B14F-4D97-AF65-F5344CB8AC3E}">
+        <p14:creationId xmlns:p14="http://schemas.microsoft.com/office/powerpoint/2010/main" val="293455089"/>
+      </p:ext>
+    </p:extLst>
+  </p:cSld>
+  <p:clrMapOvr>
+    <a:masterClrMapping/>
+  </p:clrMapOvr>
+  <p:timing>
+    <p:tnLst>
+      <p:par>
+        <p:cTn id="1" dur="indefinite" restart="never" nodeType="tmRoot"/>
+      </p:par>
+    </p:tnLst>
+  </p:timing>
+</p:sld>
+</file>
+
+<file path=ppt/slides/slide6.xml><?xml version="1.0" encoding="utf-8"?>
+<p:sld xmlns:a="http://schemas.openxmlformats.org/drawingml/2006/main" xmlns:r="http://schemas.openxmlformats.org/officeDocument/2006/relationships" xmlns:p="http://schemas.openxmlformats.org/presentationml/2006/main">
+  <p:cSld>
+    <p:spTree>
+      <p:nvGrpSpPr>
+        <p:cNvPr id="1" name=""/>
+        <p:cNvGrpSpPr/>
+        <p:nvPr/>
+      </p:nvGrpSpPr>
+      <p:grpSpPr>
+        <a:xfrm>
+          <a:off x="0" y="0"/>
+          <a:ext cx="0" cy="0"/>
+          <a:chOff x="0" y="0"/>
+          <a:chExt cx="0" cy="0"/>
+        </a:xfrm>
+      </p:grpSpPr>
+      <p:sp>
+        <p:nvSpPr>
+          <p:cNvPr id="2" name="Foliennummernplatzhalter 1"/>
+          <p:cNvSpPr>
+            <a:spLocks noGrp="1"/>
+          </p:cNvSpPr>
+          <p:nvPr>
+            <p:ph type="sldNum" sz="quarter" idx="12"/>
+          </p:nvPr>
+        </p:nvSpPr>
+        <p:spPr/>
+        <p:txBody>
+          <a:bodyPr/>
+          <a:lstStyle/>
+          <a:p>
+            <a:fld id="{D57F1E4F-1CFF-5643-939E-217C01CDF565}" type="slidenum">
+              <a:rPr lang="en-US" smtClean="0"/>
+              <a:pPr/>
+              <a:t>6</a:t>
+            </a:fld>
+            <a:endParaRPr lang="en-US" dirty="0"/>
+          </a:p>
+        </p:txBody>
+      </p:sp>
+      <p:pic>
+        <p:nvPicPr>
+          <p:cNvPr id="3" name="Grafik 2"/>
+          <p:cNvPicPr>
+            <a:picLocks noChangeAspect="1"/>
+          </p:cNvPicPr>
+          <p:nvPr/>
+        </p:nvPicPr>
+        <p:blipFill>
+          <a:blip r:embed="rId2">
+            <a:extLst>
+              <a:ext uri="{28A0092B-C50C-407E-A947-70E740481C1C}">
+                <a14:useLocalDpi xmlns:a14="http://schemas.microsoft.com/office/drawing/2010/main" val="0"/>
+              </a:ext>
+            </a:extLst>
+          </a:blip>
+          <a:stretch>
+            <a:fillRect/>
+          </a:stretch>
+        </p:blipFill>
+        <p:spPr>
+          <a:xfrm>
+            <a:off x="-17122" y="0"/>
+            <a:ext cx="12209122" cy="6607847"/>
+          </a:xfrm>
+          <a:prstGeom prst="rect">
+            <a:avLst/>
+          </a:prstGeom>
+        </p:spPr>
+      </p:pic>
+    </p:spTree>
+    <p:extLst>
+      <p:ext uri="{BB962C8B-B14F-4D97-AF65-F5344CB8AC3E}">
+        <p14:creationId xmlns:p14="http://schemas.microsoft.com/office/powerpoint/2010/main" val="2371909629"/>
+      </p:ext>
+    </p:extLst>
+  </p:cSld>
+  <p:clrMapOvr>
+    <a:masterClrMapping/>
+  </p:clrMapOvr>
+</p:sld>
+</file>
+
+<file path=ppt/slides/slide7.xml><?xml version="1.0" encoding="utf-8"?>
+<p:sld xmlns:a="http://schemas.openxmlformats.org/drawingml/2006/main" xmlns:r="http://schemas.openxmlformats.org/officeDocument/2006/relationships" xmlns:p="http://schemas.openxmlformats.org/presentationml/2006/main">
+  <p:cSld>
+    <p:spTree>
+      <p:nvGrpSpPr>
+        <p:cNvPr id="1" name=""/>
+        <p:cNvGrpSpPr/>
+        <p:nvPr/>
+      </p:nvGrpSpPr>
+      <p:grpSpPr>
+        <a:xfrm>
+          <a:off x="0" y="0"/>
+          <a:ext cx="0" cy="0"/>
+          <a:chOff x="0" y="0"/>
+          <a:chExt cx="0" cy="0"/>
+        </a:xfrm>
+      </p:grpSpPr>
+      <p:sp>
+        <p:nvSpPr>
+          <p:cNvPr id="2" name="Titel 1"/>
+          <p:cNvSpPr>
+            <a:spLocks noGrp="1"/>
+          </p:cNvSpPr>
+          <p:nvPr>
+            <p:ph type="title"/>
+          </p:nvPr>
+        </p:nvSpPr>
+        <p:spPr/>
+        <p:txBody>
+          <a:bodyPr/>
+          <a:lstStyle/>
+          <a:p>
+            <a:r>
+              <a:rPr lang="de-DE" dirty="0" smtClean="0"/>
               <a:t>Architektur</a:t>
             </a:r>
             <a:endParaRPr lang="de-DE" dirty="0"/>
@@ -13645,7 +15565,7 @@
             <a:fld id="{D57F1E4F-1CFF-5643-939E-217C01CDF565}" type="slidenum">
               <a:rPr lang="en-US" smtClean="0"/>
               <a:pPr/>
-              <a:t>5</a:t>
+              <a:t>7</a:t>
             </a:fld>
             <a:endParaRPr lang="en-US" dirty="0"/>
           </a:p>
@@ -13901,27 +15821,27 @@
           </a:lstStyle>
           <a:p>
             <a:r>
-              <a:rPr lang="de-DE" dirty="0" smtClean="0"/>
+              <a:rPr lang="de-DE" sz="2000" dirty="0" smtClean="0"/>
               <a:t>Die </a:t>
             </a:r>
             <a:r>
-              <a:rPr lang="de-DE" dirty="0" err="1" smtClean="0"/>
+              <a:rPr lang="de-DE" sz="2000" dirty="0" err="1" smtClean="0"/>
               <a:t>JunkFoodAnalyzer</a:t>
             </a:r>
             <a:r>
-              <a:rPr lang="de-DE" dirty="0" smtClean="0"/>
+              <a:rPr lang="de-DE" sz="2000" dirty="0" smtClean="0"/>
               <a:t>-Applikation stellt eine REST-Schnittstelle bereit, die von der Smartphone-App genutzt wird.</a:t>
             </a:r>
           </a:p>
           <a:p>
             <a:r>
-              <a:rPr lang="de-DE" dirty="0" smtClean="0"/>
+              <a:rPr lang="de-DE" sz="2000" dirty="0" smtClean="0"/>
               <a:t>Der Administrator greift über ein Webinterface auf das Backend zu.</a:t>
             </a:r>
           </a:p>
           <a:p>
             <a:r>
-              <a:rPr lang="de-DE" dirty="0" smtClean="0"/>
+              <a:rPr lang="de-DE" sz="2000" dirty="0" smtClean="0"/>
               <a:t>Der User hat nur Zugriff auf die in der Smartphone-App bereitgestellten Funktionalitäten.</a:t>
             </a:r>
           </a:p>
@@ -13947,7 +15867,7 @@
 </p:sld>
 </file>
 
-<file path=ppt/slides/slide6.xml><?xml version="1.0" encoding="utf-8"?>
+<file path=ppt/slides/slide8.xml><?xml version="1.0" encoding="utf-8"?>
 <p:sld xmlns:a="http://schemas.openxmlformats.org/drawingml/2006/main" xmlns:r="http://schemas.openxmlformats.org/officeDocument/2006/relationships" xmlns:p="http://schemas.openxmlformats.org/presentationml/2006/main">
   <p:cSld>
     <p:spTree>
@@ -13966,289 +15886,7 @@
       </p:grpSpPr>
       <p:sp>
         <p:nvSpPr>
-          <p:cNvPr id="2" name="Titel 1"/>
-          <p:cNvSpPr>
-            <a:spLocks noGrp="1"/>
-          </p:cNvSpPr>
-          <p:nvPr>
-            <p:ph type="title"/>
-          </p:nvPr>
-        </p:nvSpPr>
-        <p:spPr/>
-        <p:txBody>
-          <a:bodyPr/>
-          <a:lstStyle/>
-          <a:p>
-            <a:r>
-              <a:rPr lang="de-DE" dirty="0"/>
-              <a:t>Web </a:t>
-            </a:r>
-            <a:r>
-              <a:rPr lang="de-DE" dirty="0" smtClean="0"/>
-              <a:t>Services</a:t>
-            </a:r>
-            <a:endParaRPr lang="de-DE" dirty="0"/>
-          </a:p>
-        </p:txBody>
-      </p:sp>
-      <p:sp>
-        <p:nvSpPr>
-          <p:cNvPr id="3" name="Textplatzhalter 2"/>
-          <p:cNvSpPr>
-            <a:spLocks noGrp="1"/>
-          </p:cNvSpPr>
-          <p:nvPr>
-            <p:ph type="body" idx="1"/>
-          </p:nvPr>
-        </p:nvSpPr>
-        <p:spPr/>
-        <p:txBody>
-          <a:bodyPr/>
-          <a:lstStyle/>
-          <a:p>
-            <a:r>
-              <a:rPr lang="de-DE" sz="3200" dirty="0"/>
-              <a:t>User</a:t>
-            </a:r>
-            <a:endParaRPr lang="de-DE" dirty="0"/>
-          </a:p>
-        </p:txBody>
-      </p:sp>
-      <p:sp>
-        <p:nvSpPr>
-          <p:cNvPr id="4" name="Textplatzhalter 3"/>
-          <p:cNvSpPr>
-            <a:spLocks noGrp="1"/>
-          </p:cNvSpPr>
-          <p:nvPr>
-            <p:ph type="body" sz="half" idx="15"/>
-          </p:nvPr>
-        </p:nvSpPr>
-        <p:spPr/>
-        <p:txBody>
-          <a:bodyPr/>
-          <a:lstStyle/>
-          <a:p>
-            <a:endParaRPr lang="de-DE" dirty="0" smtClean="0"/>
-          </a:p>
-          <a:p>
-            <a:r>
-              <a:rPr lang="de-DE" sz="1600" dirty="0" smtClean="0"/>
-              <a:t>Anlegen </a:t>
-            </a:r>
-            <a:r>
-              <a:rPr lang="de-DE" sz="1600" dirty="0"/>
-              <a:t>(</a:t>
-            </a:r>
-            <a:r>
-              <a:rPr lang="de-DE" sz="1600" dirty="0" err="1"/>
-              <a:t>post</a:t>
-            </a:r>
-            <a:r>
-              <a:rPr lang="de-DE" sz="1600" dirty="0"/>
-              <a:t>)</a:t>
-            </a:r>
-          </a:p>
-          <a:p>
-            <a:r>
-              <a:rPr lang="de-DE" sz="1600" dirty="0"/>
-              <a:t>Login (</a:t>
-            </a:r>
-            <a:r>
-              <a:rPr lang="de-DE" sz="1600" dirty="0" err="1"/>
-              <a:t>get</a:t>
-            </a:r>
-            <a:r>
-              <a:rPr lang="de-DE" sz="1600" dirty="0"/>
-              <a:t>)</a:t>
-            </a:r>
-          </a:p>
-          <a:p>
-            <a:r>
-              <a:rPr lang="de-DE" sz="1600" dirty="0" err="1"/>
-              <a:t>Logout</a:t>
-            </a:r>
-            <a:r>
-              <a:rPr lang="de-DE" sz="1600" dirty="0"/>
-              <a:t> (</a:t>
-            </a:r>
-            <a:r>
-              <a:rPr lang="de-DE" sz="1600" dirty="0" err="1" smtClean="0"/>
-              <a:t>get</a:t>
-            </a:r>
-            <a:r>
-              <a:rPr lang="de-DE" sz="1600" dirty="0" smtClean="0"/>
-              <a:t>)</a:t>
-            </a:r>
-            <a:endParaRPr lang="de-DE" sz="1600" dirty="0"/>
-          </a:p>
-        </p:txBody>
-      </p:sp>
-      <p:sp>
-        <p:nvSpPr>
-          <p:cNvPr id="5" name="Textplatzhalter 4"/>
-          <p:cNvSpPr>
-            <a:spLocks noGrp="1"/>
-          </p:cNvSpPr>
-          <p:nvPr>
-            <p:ph type="body" sz="quarter" idx="3"/>
-          </p:nvPr>
-        </p:nvSpPr>
-        <p:spPr/>
-        <p:txBody>
-          <a:bodyPr/>
-          <a:lstStyle/>
-          <a:p>
-            <a:r>
-              <a:rPr lang="de-DE" sz="3200" dirty="0" err="1" smtClean="0"/>
-              <a:t>JunkFood</a:t>
-            </a:r>
-            <a:endParaRPr lang="de-DE" dirty="0"/>
-          </a:p>
-        </p:txBody>
-      </p:sp>
-      <p:sp>
-        <p:nvSpPr>
-          <p:cNvPr id="6" name="Textplatzhalter 5"/>
-          <p:cNvSpPr>
-            <a:spLocks noGrp="1"/>
-          </p:cNvSpPr>
-          <p:nvPr>
-            <p:ph type="body" sz="half" idx="16"/>
-          </p:nvPr>
-        </p:nvSpPr>
-        <p:spPr/>
-        <p:txBody>
-          <a:bodyPr/>
-          <a:lstStyle/>
-          <a:p>
-            <a:endParaRPr lang="de-DE" dirty="0" smtClean="0"/>
-          </a:p>
-          <a:p>
-            <a:r>
-              <a:rPr lang="de-DE" sz="1600" dirty="0" smtClean="0"/>
-              <a:t>Anlegen </a:t>
-            </a:r>
-            <a:r>
-              <a:rPr lang="de-DE" sz="1600" dirty="0"/>
-              <a:t>(</a:t>
-            </a:r>
-            <a:r>
-              <a:rPr lang="de-DE" sz="1600" dirty="0" err="1"/>
-              <a:t>post</a:t>
-            </a:r>
-            <a:r>
-              <a:rPr lang="de-DE" sz="1600" dirty="0"/>
-              <a:t>)</a:t>
-            </a:r>
-          </a:p>
-          <a:p>
-            <a:r>
-              <a:rPr lang="de-DE" sz="1600" dirty="0"/>
-              <a:t>Editieren (</a:t>
-            </a:r>
-            <a:r>
-              <a:rPr lang="de-DE" sz="1600" dirty="0" err="1"/>
-              <a:t>put</a:t>
-            </a:r>
-            <a:r>
-              <a:rPr lang="de-DE" sz="1600" dirty="0"/>
-              <a:t>)</a:t>
-            </a:r>
-          </a:p>
-          <a:p>
-            <a:r>
-              <a:rPr lang="de-DE" sz="1600" dirty="0"/>
-              <a:t>Ausgeben (</a:t>
-            </a:r>
-            <a:r>
-              <a:rPr lang="de-DE" sz="1600" dirty="0" err="1"/>
-              <a:t>get</a:t>
-            </a:r>
-            <a:r>
-              <a:rPr lang="de-DE" sz="1600" dirty="0"/>
-              <a:t>)</a:t>
-            </a:r>
-          </a:p>
-          <a:p>
-            <a:r>
-              <a:rPr lang="de-DE" sz="1600" dirty="0"/>
-              <a:t>Löschen (</a:t>
-            </a:r>
-            <a:r>
-              <a:rPr lang="de-DE" sz="1600" dirty="0" err="1"/>
-              <a:t>delete</a:t>
-            </a:r>
-            <a:r>
-              <a:rPr lang="de-DE" sz="1600" dirty="0"/>
-              <a:t>)</a:t>
-            </a:r>
-          </a:p>
-          <a:p>
-            <a:endParaRPr lang="de-DE" dirty="0"/>
-          </a:p>
-        </p:txBody>
-      </p:sp>
-      <p:sp>
-        <p:nvSpPr>
-          <p:cNvPr id="7" name="Textplatzhalter 6"/>
-          <p:cNvSpPr>
-            <a:spLocks noGrp="1"/>
-          </p:cNvSpPr>
-          <p:nvPr>
-            <p:ph type="body" sz="quarter" idx="13"/>
-          </p:nvPr>
-        </p:nvSpPr>
-        <p:spPr/>
-        <p:txBody>
-          <a:bodyPr/>
-          <a:lstStyle/>
-          <a:p>
-            <a:r>
-              <a:rPr lang="de-DE" sz="3200" dirty="0" err="1" smtClean="0"/>
-              <a:t>Ingredients</a:t>
-            </a:r>
-            <a:endParaRPr lang="de-DE" dirty="0"/>
-          </a:p>
-        </p:txBody>
-      </p:sp>
-      <p:sp>
-        <p:nvSpPr>
-          <p:cNvPr id="8" name="Textplatzhalter 7"/>
-          <p:cNvSpPr>
-            <a:spLocks noGrp="1"/>
-          </p:cNvSpPr>
-          <p:nvPr>
-            <p:ph type="body" sz="half" idx="17"/>
-          </p:nvPr>
-        </p:nvSpPr>
-        <p:spPr/>
-        <p:txBody>
-          <a:bodyPr/>
-          <a:lstStyle/>
-          <a:p>
-            <a:endParaRPr lang="de-DE" dirty="0" smtClean="0"/>
-          </a:p>
-          <a:p>
-            <a:r>
-              <a:rPr lang="de-DE" sz="1600" dirty="0" smtClean="0"/>
-              <a:t>Ausgeben (</a:t>
-            </a:r>
-            <a:r>
-              <a:rPr lang="de-DE" sz="1600" dirty="0" err="1" smtClean="0"/>
-              <a:t>get</a:t>
-            </a:r>
-            <a:r>
-              <a:rPr lang="de-DE" sz="1600" dirty="0" smtClean="0"/>
-              <a:t>)</a:t>
-            </a:r>
-            <a:endParaRPr lang="de-DE" sz="1600" dirty="0"/>
-          </a:p>
-        </p:txBody>
-      </p:sp>
-      <p:sp>
-        <p:nvSpPr>
-          <p:cNvPr id="9" name="Foliennummernplatzhalter 8"/>
+          <p:cNvPr id="2" name="Foliennummernplatzhalter 1"/>
           <p:cNvSpPr>
             <a:spLocks noGrp="1"/>
           </p:cNvSpPr>
@@ -14264,33 +15902,56 @@
             <a:fld id="{D57F1E4F-1CFF-5643-939E-217C01CDF565}" type="slidenum">
               <a:rPr lang="en-US" smtClean="0"/>
               <a:pPr/>
-              <a:t>6</a:t>
+              <a:t>8</a:t>
             </a:fld>
             <a:endParaRPr lang="en-US" dirty="0"/>
           </a:p>
         </p:txBody>
       </p:sp>
+      <p:pic>
+        <p:nvPicPr>
+          <p:cNvPr id="3" name="Grafik 2"/>
+          <p:cNvPicPr>
+            <a:picLocks noChangeAspect="1"/>
+          </p:cNvPicPr>
+          <p:nvPr/>
+        </p:nvPicPr>
+        <p:blipFill>
+          <a:blip r:embed="rId2">
+            <a:extLst>
+              <a:ext uri="{28A0092B-C50C-407E-A947-70E740481C1C}">
+                <a14:useLocalDpi xmlns:a14="http://schemas.microsoft.com/office/drawing/2010/main" val="0"/>
+              </a:ext>
+            </a:extLst>
+          </a:blip>
+          <a:stretch>
+            <a:fillRect/>
+          </a:stretch>
+        </p:blipFill>
+        <p:spPr>
+          <a:xfrm>
+            <a:off x="756129" y="-17552"/>
+            <a:ext cx="7811076" cy="6875551"/>
+          </a:xfrm>
+          <a:prstGeom prst="rect">
+            <a:avLst/>
+          </a:prstGeom>
+        </p:spPr>
+      </p:pic>
     </p:spTree>
     <p:extLst>
       <p:ext uri="{BB962C8B-B14F-4D97-AF65-F5344CB8AC3E}">
-        <p14:creationId xmlns:p14="http://schemas.microsoft.com/office/powerpoint/2010/main" val="3589352793"/>
+        <p14:creationId xmlns:p14="http://schemas.microsoft.com/office/powerpoint/2010/main" val="2017984872"/>
       </p:ext>
     </p:extLst>
   </p:cSld>
   <p:clrMapOvr>
     <a:masterClrMapping/>
   </p:clrMapOvr>
-  <p:timing>
-    <p:tnLst>
-      <p:par>
-        <p:cTn id="1" dur="indefinite" restart="never" nodeType="tmRoot"/>
-      </p:par>
-    </p:tnLst>
-  </p:timing>
 </p:sld>
 </file>
 
-<file path=ppt/slides/slide7.xml><?xml version="1.0" encoding="utf-8"?>
+<file path=ppt/slides/slide9.xml><?xml version="1.0" encoding="utf-8"?>
 <p:sld xmlns:a="http://schemas.openxmlformats.org/drawingml/2006/main" xmlns:r="http://schemas.openxmlformats.org/officeDocument/2006/relationships" xmlns:p="http://schemas.openxmlformats.org/presentationml/2006/main">
   <p:cSld>
     <p:spTree>
@@ -14323,30 +15984,8 @@
           <a:lstStyle/>
           <a:p>
             <a:r>
-              <a:rPr lang="de-DE" dirty="0"/>
-              <a:t>Arbeitseinteilung</a:t>
-            </a:r>
-          </a:p>
-        </p:txBody>
-      </p:sp>
-      <p:sp>
-        <p:nvSpPr>
-          <p:cNvPr id="3" name="Textplatzhalter 2"/>
-          <p:cNvSpPr>
-            <a:spLocks noGrp="1"/>
-          </p:cNvSpPr>
-          <p:nvPr>
-            <p:ph type="body" idx="1"/>
-          </p:nvPr>
-        </p:nvSpPr>
-        <p:spPr/>
-        <p:txBody>
-          <a:bodyPr/>
-          <a:lstStyle/>
-          <a:p>
-            <a:r>
               <a:rPr lang="de-DE" dirty="0" smtClean="0"/>
-              <a:t>Harry</a:t>
+              <a:t>Sequenzdiagramm 1</a:t>
             </a:r>
             <a:endParaRPr lang="de-DE" dirty="0"/>
           </a:p>
@@ -14354,274 +15993,7 @@
       </p:sp>
       <p:sp>
         <p:nvSpPr>
-          <p:cNvPr id="4" name="Textplatzhalter 3"/>
-          <p:cNvSpPr>
-            <a:spLocks noGrp="1"/>
-          </p:cNvSpPr>
-          <p:nvPr>
-            <p:ph type="body" sz="half" idx="15"/>
-          </p:nvPr>
-        </p:nvSpPr>
-        <p:spPr/>
-        <p:txBody>
-          <a:bodyPr/>
-          <a:lstStyle/>
-          <a:p>
-            <a:pPr marL="285750" indent="-285750">
-              <a:buFont typeface="Wingdings" panose="05000000000000000000" pitchFamily="2" charset="2"/>
-              <a:buChar char="Ø"/>
-            </a:pPr>
-            <a:r>
-              <a:rPr lang="de-DE" dirty="0" smtClean="0"/>
-              <a:t>Dokumentation</a:t>
-            </a:r>
-          </a:p>
-          <a:p>
-            <a:pPr marL="285750" indent="-285750">
-              <a:buFont typeface="Wingdings" panose="05000000000000000000" pitchFamily="2" charset="2"/>
-              <a:buChar char="Ø"/>
-            </a:pPr>
-            <a:r>
-              <a:rPr lang="de-DE" dirty="0" smtClean="0"/>
-              <a:t>App (</a:t>
-            </a:r>
-            <a:r>
-              <a:rPr lang="de-DE" dirty="0" err="1" smtClean="0"/>
-              <a:t>activities</a:t>
-            </a:r>
-            <a:r>
-              <a:rPr lang="de-DE" dirty="0" smtClean="0"/>
-              <a:t>)</a:t>
-            </a:r>
-          </a:p>
-          <a:p>
-            <a:pPr marL="285750" indent="-285750">
-              <a:buFont typeface="Wingdings" panose="05000000000000000000" pitchFamily="2" charset="2"/>
-              <a:buChar char="Ø"/>
-            </a:pPr>
-            <a:r>
-              <a:rPr lang="de-DE" dirty="0" smtClean="0"/>
-              <a:t>Server aufsetzen</a:t>
-            </a:r>
-          </a:p>
-          <a:p>
-            <a:pPr marL="285750" indent="-285750">
-              <a:buFont typeface="Wingdings" panose="05000000000000000000" pitchFamily="2" charset="2"/>
-              <a:buChar char="Ø"/>
-            </a:pPr>
-            <a:r>
-              <a:rPr lang="de-DE" dirty="0" smtClean="0"/>
-              <a:t>Webservices</a:t>
-            </a:r>
-          </a:p>
-          <a:p>
-            <a:pPr marL="285750" indent="-285750">
-              <a:buFont typeface="Wingdings" panose="05000000000000000000" pitchFamily="2" charset="2"/>
-              <a:buChar char="Ø"/>
-            </a:pPr>
-            <a:r>
-              <a:rPr lang="de-DE" dirty="0" smtClean="0"/>
-              <a:t>Backend</a:t>
-            </a:r>
-            <a:endParaRPr lang="de-DE" dirty="0"/>
-          </a:p>
-        </p:txBody>
-      </p:sp>
-      <p:sp>
-        <p:nvSpPr>
-          <p:cNvPr id="5" name="Textplatzhalter 4"/>
-          <p:cNvSpPr>
-            <a:spLocks noGrp="1"/>
-          </p:cNvSpPr>
-          <p:nvPr>
-            <p:ph type="body" sz="quarter" idx="3"/>
-          </p:nvPr>
-        </p:nvSpPr>
-        <p:spPr/>
-        <p:txBody>
-          <a:bodyPr/>
-          <a:lstStyle/>
-          <a:p>
-            <a:r>
-              <a:rPr lang="de-DE" dirty="0" smtClean="0"/>
-              <a:t>Andi</a:t>
-            </a:r>
-            <a:endParaRPr lang="de-DE" dirty="0"/>
-          </a:p>
-        </p:txBody>
-      </p:sp>
-      <p:sp>
-        <p:nvSpPr>
-          <p:cNvPr id="6" name="Textplatzhalter 5"/>
-          <p:cNvSpPr>
-            <a:spLocks noGrp="1"/>
-          </p:cNvSpPr>
-          <p:nvPr>
-            <p:ph type="body" sz="half" idx="16"/>
-          </p:nvPr>
-        </p:nvSpPr>
-        <p:spPr/>
-        <p:txBody>
-          <a:bodyPr/>
-          <a:lstStyle/>
-          <a:p>
-            <a:pPr marL="285750" indent="-285750">
-              <a:buFont typeface="Wingdings" panose="05000000000000000000" pitchFamily="2" charset="2"/>
-              <a:buChar char="Ø"/>
-            </a:pPr>
-            <a:r>
-              <a:rPr lang="de-DE" dirty="0" smtClean="0"/>
-              <a:t>Dokumentation</a:t>
-            </a:r>
-          </a:p>
-          <a:p>
-            <a:pPr marL="285750" indent="-285750">
-              <a:buFont typeface="Wingdings" panose="05000000000000000000" pitchFamily="2" charset="2"/>
-              <a:buChar char="Ø"/>
-            </a:pPr>
-            <a:r>
-              <a:rPr lang="de-DE" dirty="0" smtClean="0"/>
-              <a:t>Datenbank-Design</a:t>
-            </a:r>
-          </a:p>
-          <a:p>
-            <a:pPr marL="285750" indent="-285750">
-              <a:buFont typeface="Wingdings" panose="05000000000000000000" pitchFamily="2" charset="2"/>
-              <a:buChar char="Ø"/>
-            </a:pPr>
-            <a:r>
-              <a:rPr lang="de-DE" dirty="0"/>
-              <a:t>App (</a:t>
-            </a:r>
-            <a:r>
-              <a:rPr lang="de-DE" dirty="0" err="1" smtClean="0"/>
-              <a:t>activities</a:t>
-            </a:r>
-            <a:r>
-              <a:rPr lang="de-DE" dirty="0" smtClean="0"/>
-              <a:t>)</a:t>
-            </a:r>
-          </a:p>
-          <a:p>
-            <a:pPr marL="285750" indent="-285750">
-              <a:buFont typeface="Wingdings" panose="05000000000000000000" pitchFamily="2" charset="2"/>
-              <a:buChar char="Ø"/>
-            </a:pPr>
-            <a:r>
-              <a:rPr lang="de-DE" dirty="0" smtClean="0"/>
-              <a:t>Webservices</a:t>
-            </a:r>
-            <a:endParaRPr lang="de-DE" dirty="0"/>
-          </a:p>
-        </p:txBody>
-      </p:sp>
-      <p:sp>
-        <p:nvSpPr>
-          <p:cNvPr id="7" name="Textplatzhalter 6"/>
-          <p:cNvSpPr>
-            <a:spLocks noGrp="1"/>
-          </p:cNvSpPr>
-          <p:nvPr>
-            <p:ph type="body" sz="quarter" idx="13"/>
-          </p:nvPr>
-        </p:nvSpPr>
-        <p:spPr/>
-        <p:txBody>
-          <a:bodyPr/>
-          <a:lstStyle/>
-          <a:p>
-            <a:r>
-              <a:rPr lang="de-DE" dirty="0" err="1" smtClean="0"/>
-              <a:t>Basti</a:t>
-            </a:r>
-            <a:endParaRPr lang="de-DE" dirty="0"/>
-          </a:p>
-        </p:txBody>
-      </p:sp>
-      <p:sp>
-        <p:nvSpPr>
-          <p:cNvPr id="8" name="Textplatzhalter 7"/>
-          <p:cNvSpPr>
-            <a:spLocks noGrp="1"/>
-          </p:cNvSpPr>
-          <p:nvPr>
-            <p:ph type="body" sz="half" idx="17"/>
-          </p:nvPr>
-        </p:nvSpPr>
-        <p:spPr/>
-        <p:txBody>
-          <a:bodyPr/>
-          <a:lstStyle/>
-          <a:p>
-            <a:pPr marL="285750" indent="-285750">
-              <a:buFont typeface="Wingdings" panose="05000000000000000000" pitchFamily="2" charset="2"/>
-              <a:buChar char="Ø"/>
-            </a:pPr>
-            <a:r>
-              <a:rPr lang="de-DE" dirty="0" smtClean="0"/>
-              <a:t>Dokumentation</a:t>
-            </a:r>
-          </a:p>
-          <a:p>
-            <a:pPr marL="285750" indent="-285750">
-              <a:buFont typeface="Wingdings" panose="05000000000000000000" pitchFamily="2" charset="2"/>
-              <a:buChar char="Ø"/>
-            </a:pPr>
-            <a:r>
-              <a:rPr lang="de-DE" dirty="0" smtClean="0"/>
-              <a:t>Erstellung Android App</a:t>
-            </a:r>
-          </a:p>
-          <a:p>
-            <a:pPr marL="285750" indent="-285750">
-              <a:buFont typeface="Wingdings" panose="05000000000000000000" pitchFamily="2" charset="2"/>
-              <a:buChar char="Ø"/>
-            </a:pPr>
-            <a:r>
-              <a:rPr lang="de-DE" dirty="0" smtClean="0"/>
-              <a:t>App UI</a:t>
-            </a:r>
-          </a:p>
-          <a:p>
-            <a:pPr marL="285750" indent="-285750">
-              <a:buFont typeface="Wingdings" panose="05000000000000000000" pitchFamily="2" charset="2"/>
-              <a:buChar char="Ø"/>
-            </a:pPr>
-            <a:r>
-              <a:rPr lang="de-DE" dirty="0"/>
-              <a:t>App (</a:t>
-            </a:r>
-            <a:r>
-              <a:rPr lang="de-DE" dirty="0" err="1"/>
-              <a:t>activities</a:t>
-            </a:r>
-            <a:r>
-              <a:rPr lang="de-DE" dirty="0" smtClean="0"/>
-              <a:t>)</a:t>
-            </a:r>
-          </a:p>
-          <a:p>
-            <a:pPr marL="285750" indent="-285750">
-              <a:buFont typeface="Wingdings" panose="05000000000000000000" pitchFamily="2" charset="2"/>
-              <a:buChar char="Ø"/>
-            </a:pPr>
-            <a:r>
-              <a:rPr lang="de-DE" dirty="0"/>
-              <a:t>Webservices</a:t>
-            </a:r>
-          </a:p>
-          <a:p>
-            <a:pPr marL="285750" indent="-285750">
-              <a:buFont typeface="Wingdings" panose="05000000000000000000" pitchFamily="2" charset="2"/>
-              <a:buChar char="Ø"/>
-            </a:pPr>
-            <a:endParaRPr lang="de-DE" dirty="0"/>
-          </a:p>
-        </p:txBody>
-      </p:sp>
-      <p:sp>
-        <p:nvSpPr>
-          <p:cNvPr id="9" name="Foliennummernplatzhalter 8"/>
+          <p:cNvPr id="3" name="Foliennummernplatzhalter 2"/>
           <p:cNvSpPr>
             <a:spLocks noGrp="1"/>
           </p:cNvSpPr>
@@ -14637,29 +16009,52 @@
             <a:fld id="{D57F1E4F-1CFF-5643-939E-217C01CDF565}" type="slidenum">
               <a:rPr lang="en-US" smtClean="0"/>
               <a:pPr/>
-              <a:t>7</a:t>
+              <a:t>9</a:t>
             </a:fld>
             <a:endParaRPr lang="en-US" dirty="0"/>
           </a:p>
         </p:txBody>
       </p:sp>
+      <p:pic>
+        <p:nvPicPr>
+          <p:cNvPr id="6" name="Grafik 5"/>
+          <p:cNvPicPr>
+            <a:picLocks noChangeAspect="1"/>
+          </p:cNvPicPr>
+          <p:nvPr/>
+        </p:nvPicPr>
+        <p:blipFill>
+          <a:blip r:embed="rId2">
+            <a:extLst>
+              <a:ext uri="{28A0092B-C50C-407E-A947-70E740481C1C}">
+                <a14:useLocalDpi xmlns:a14="http://schemas.microsoft.com/office/drawing/2010/main" val="0"/>
+              </a:ext>
+            </a:extLst>
+          </a:blip>
+          <a:stretch>
+            <a:fillRect/>
+          </a:stretch>
+        </p:blipFill>
+        <p:spPr>
+          <a:xfrm>
+            <a:off x="2224523" y="2429478"/>
+            <a:ext cx="7753280" cy="4428522"/>
+          </a:xfrm>
+          <a:prstGeom prst="rect">
+            <a:avLst/>
+          </a:prstGeom>
+        </p:spPr>
+      </p:pic>
     </p:spTree>
     <p:extLst>
       <p:ext uri="{BB962C8B-B14F-4D97-AF65-F5344CB8AC3E}">
-        <p14:creationId xmlns:p14="http://schemas.microsoft.com/office/powerpoint/2010/main" val="1119948820"/>
+        <p14:creationId xmlns:p14="http://schemas.microsoft.com/office/powerpoint/2010/main" val="3050184985"/>
       </p:ext>
     </p:extLst>
   </p:cSld>
   <p:clrMapOvr>
     <a:masterClrMapping/>
   </p:clrMapOvr>
-  <p:timing>
-    <p:tnLst>
-      <p:par>
-        <p:cTn id="1" dur="indefinite" restart="never" nodeType="tmRoot"/>
-      </p:par>
-    </p:tnLst>
-  </p:timing>
 </p:sld>
 </file>
 
